--- a/EVEREST PHONES.pptx
+++ b/EVEREST PHONES.pptx
@@ -15,6 +15,10 @@
     <p:sldId id="263" r:id="rId9"/>
     <p:sldId id="266" r:id="rId10"/>
     <p:sldId id="265" r:id="rId11"/>
+    <p:sldId id="267" r:id="rId12"/>
+    <p:sldId id="268" r:id="rId13"/>
+    <p:sldId id="269" r:id="rId14"/>
+    <p:sldId id="270" r:id="rId15"/>
   </p:sldIdLst>
   <p:sldSz cx="12192000" cy="6858000"/>
   <p:notesSz cx="6858000" cy="9144000"/>
@@ -128,6 +132,10 @@
             <p14:sldId id="263"/>
             <p14:sldId id="266"/>
             <p14:sldId id="265"/>
+            <p14:sldId id="267"/>
+            <p14:sldId id="268"/>
+            <p14:sldId id="269"/>
+            <p14:sldId id="270"/>
           </p14:sldIdLst>
         </p14:section>
       </p14:sectionLst>
@@ -270,7 +278,7 @@
           <a:p>
             <a:fld id="{7312517A-3F6F-449B-80CF-BC9EF307FF21}" type="datetimeFigureOut">
               <a:rPr lang="en-US" smtClean="0"/>
-              <a:t>9/4/2024</a:t>
+              <a:t>9/8/2024</a:t>
             </a:fld>
             <a:endParaRPr lang="en-US"/>
           </a:p>
@@ -440,7 +448,7 @@
           <a:p>
             <a:fld id="{7312517A-3F6F-449B-80CF-BC9EF307FF21}" type="datetimeFigureOut">
               <a:rPr lang="en-US" smtClean="0"/>
-              <a:t>9/4/2024</a:t>
+              <a:t>9/8/2024</a:t>
             </a:fld>
             <a:endParaRPr lang="en-US"/>
           </a:p>
@@ -620,7 +628,7 @@
           <a:p>
             <a:fld id="{7312517A-3F6F-449B-80CF-BC9EF307FF21}" type="datetimeFigureOut">
               <a:rPr lang="en-US" smtClean="0"/>
-              <a:t>9/4/2024</a:t>
+              <a:t>9/8/2024</a:t>
             </a:fld>
             <a:endParaRPr lang="en-US"/>
           </a:p>
@@ -790,7 +798,7 @@
           <a:p>
             <a:fld id="{7312517A-3F6F-449B-80CF-BC9EF307FF21}" type="datetimeFigureOut">
               <a:rPr lang="en-US" smtClean="0"/>
-              <a:t>9/4/2024</a:t>
+              <a:t>9/8/2024</a:t>
             </a:fld>
             <a:endParaRPr lang="en-US"/>
           </a:p>
@@ -1036,7 +1044,7 @@
           <a:p>
             <a:fld id="{7312517A-3F6F-449B-80CF-BC9EF307FF21}" type="datetimeFigureOut">
               <a:rPr lang="en-US" smtClean="0"/>
-              <a:t>9/4/2024</a:t>
+              <a:t>9/8/2024</a:t>
             </a:fld>
             <a:endParaRPr lang="en-US"/>
           </a:p>
@@ -1268,7 +1276,7 @@
           <a:p>
             <a:fld id="{7312517A-3F6F-449B-80CF-BC9EF307FF21}" type="datetimeFigureOut">
               <a:rPr lang="en-US" smtClean="0"/>
-              <a:t>9/4/2024</a:t>
+              <a:t>9/8/2024</a:t>
             </a:fld>
             <a:endParaRPr lang="en-US"/>
           </a:p>
@@ -1635,7 +1643,7 @@
           <a:p>
             <a:fld id="{7312517A-3F6F-449B-80CF-BC9EF307FF21}" type="datetimeFigureOut">
               <a:rPr lang="en-US" smtClean="0"/>
-              <a:t>9/4/2024</a:t>
+              <a:t>9/8/2024</a:t>
             </a:fld>
             <a:endParaRPr lang="en-US"/>
           </a:p>
@@ -1753,7 +1761,7 @@
           <a:p>
             <a:fld id="{7312517A-3F6F-449B-80CF-BC9EF307FF21}" type="datetimeFigureOut">
               <a:rPr lang="en-US" smtClean="0"/>
-              <a:t>9/4/2024</a:t>
+              <a:t>9/8/2024</a:t>
             </a:fld>
             <a:endParaRPr lang="en-US"/>
           </a:p>
@@ -1848,7 +1856,7 @@
           <a:p>
             <a:fld id="{7312517A-3F6F-449B-80CF-BC9EF307FF21}" type="datetimeFigureOut">
               <a:rPr lang="en-US" smtClean="0"/>
-              <a:t>9/4/2024</a:t>
+              <a:t>9/8/2024</a:t>
             </a:fld>
             <a:endParaRPr lang="en-US"/>
           </a:p>
@@ -2125,7 +2133,7 @@
           <a:p>
             <a:fld id="{7312517A-3F6F-449B-80CF-BC9EF307FF21}" type="datetimeFigureOut">
               <a:rPr lang="en-US" smtClean="0"/>
-              <a:t>9/4/2024</a:t>
+              <a:t>9/8/2024</a:t>
             </a:fld>
             <a:endParaRPr lang="en-US"/>
           </a:p>
@@ -2378,7 +2386,7 @@
           <a:p>
             <a:fld id="{7312517A-3F6F-449B-80CF-BC9EF307FF21}" type="datetimeFigureOut">
               <a:rPr lang="en-US" smtClean="0"/>
-              <a:t>9/4/2024</a:t>
+              <a:t>9/8/2024</a:t>
             </a:fld>
             <a:endParaRPr lang="en-US"/>
           </a:p>
@@ -2591,7 +2599,7 @@
           <a:p>
             <a:fld id="{7312517A-3F6F-449B-80CF-BC9EF307FF21}" type="datetimeFigureOut">
               <a:rPr lang="en-US" smtClean="0"/>
-              <a:t>9/4/2024</a:t>
+              <a:t>9/8/2024</a:t>
             </a:fld>
             <a:endParaRPr lang="en-US"/>
           </a:p>
@@ -3366,6 +3374,879 @@
 </p:sld>
 </file>
 
+<file path=ppt/slides/slide11.xml><?xml version="1.0" encoding="utf-8"?>
+<p:sld xmlns:a="http://schemas.openxmlformats.org/drawingml/2006/main" xmlns:r="http://schemas.openxmlformats.org/officeDocument/2006/relationships" xmlns:p="http://schemas.openxmlformats.org/presentationml/2006/main">
+  <p:cSld>
+    <p:spTree>
+      <p:nvGrpSpPr>
+        <p:cNvPr id="1" name=""/>
+        <p:cNvGrpSpPr/>
+        <p:nvPr/>
+      </p:nvGrpSpPr>
+      <p:grpSpPr>
+        <a:xfrm>
+          <a:off x="0" y="0"/>
+          <a:ext cx="0" cy="0"/>
+          <a:chOff x="0" y="0"/>
+          <a:chExt cx="0" cy="0"/>
+        </a:xfrm>
+      </p:grpSpPr>
+      <p:sp>
+        <p:nvSpPr>
+          <p:cNvPr id="2" name="Title 1"/>
+          <p:cNvSpPr>
+            <a:spLocks noGrp="1"/>
+          </p:cNvSpPr>
+          <p:nvPr>
+            <p:ph type="ctrTitle"/>
+          </p:nvPr>
+        </p:nvSpPr>
+        <p:spPr>
+          <a:xfrm>
+            <a:off x="1066799" y="491414"/>
+            <a:ext cx="9144000" cy="971626"/>
+          </a:xfrm>
+        </p:spPr>
+        <p:txBody>
+          <a:bodyPr>
+            <a:normAutofit/>
+          </a:bodyPr>
+          <a:lstStyle/>
+          <a:p>
+            <a:pPr algn="l"/>
+            <a:r>
+              <a:rPr lang="en-US" sz="4000" b="1" dirty="0" smtClean="0"/>
+              <a:t>2. </a:t>
+            </a:r>
+            <a:r>
+              <a:rPr lang="en-US" sz="4000" b="1" dirty="0"/>
+              <a:t>Account Access and Core Functions</a:t>
+            </a:r>
+            <a:endParaRPr lang="en-US" sz="4000" b="1" dirty="0"/>
+          </a:p>
+        </p:txBody>
+      </p:sp>
+      <p:sp>
+        <p:nvSpPr>
+          <p:cNvPr id="3" name="Subtitle 2"/>
+          <p:cNvSpPr>
+            <a:spLocks noGrp="1"/>
+          </p:cNvSpPr>
+          <p:nvPr>
+            <p:ph type="subTitle" idx="1"/>
+          </p:nvPr>
+        </p:nvSpPr>
+        <p:spPr>
+          <a:xfrm>
+            <a:off x="143690" y="1463039"/>
+            <a:ext cx="11941627" cy="5251269"/>
+          </a:xfrm>
+        </p:spPr>
+        <p:txBody>
+          <a:bodyPr>
+            <a:noAutofit/>
+          </a:bodyPr>
+          <a:lstStyle/>
+          <a:p>
+            <a:r>
+              <a:rPr lang="en-US" sz="1600" dirty="0"/>
+              <a:t>Unlock a World of Amazing </a:t>
+            </a:r>
+            <a:r>
+              <a:rPr lang="en-US" sz="1600" dirty="0" smtClean="0"/>
+              <a:t>Phones </a:t>
+            </a:r>
+            <a:r>
+              <a:rPr lang="en-US" sz="1600" dirty="0"/>
+              <a:t>at Your </a:t>
+            </a:r>
+            <a:r>
+              <a:rPr lang="en-US" sz="1600" dirty="0" smtClean="0"/>
+              <a:t>Fingertips</a:t>
+            </a:r>
+          </a:p>
+          <a:p>
+            <a:pPr algn="just"/>
+            <a:r>
+              <a:rPr lang="en-US" sz="1600" b="1" dirty="0" smtClean="0">
+                <a:solidFill>
+                  <a:srgbClr val="FF0000"/>
+                </a:solidFill>
+              </a:rPr>
+              <a:t>Step </a:t>
+            </a:r>
+            <a:r>
+              <a:rPr lang="en-US" sz="1600" b="1" dirty="0">
+                <a:solidFill>
+                  <a:srgbClr val="FF0000"/>
+                </a:solidFill>
+              </a:rPr>
+              <a:t>1</a:t>
+            </a:r>
+            <a:r>
+              <a:rPr lang="en-US" sz="1600" dirty="0"/>
+              <a:t>: Visit our secure login page at </a:t>
+            </a:r>
+            <a:r>
+              <a:rPr lang="en-US" sz="1600" dirty="0">
+                <a:hlinkClick r:id="rId2"/>
+              </a:rPr>
+              <a:t>https://everestphones.com/login</a:t>
+            </a:r>
+            <a:endParaRPr lang="en-US" sz="1600" dirty="0"/>
+          </a:p>
+          <a:p>
+            <a:pPr algn="just"/>
+            <a:r>
+              <a:rPr lang="en-US" sz="1600" b="1" dirty="0" smtClean="0">
+                <a:solidFill>
+                  <a:srgbClr val="FF0000"/>
+                </a:solidFill>
+              </a:rPr>
+              <a:t>Step 2</a:t>
+            </a:r>
+            <a:r>
+              <a:rPr lang="en-US" sz="1600" dirty="0" smtClean="0"/>
+              <a:t>: </a:t>
+            </a:r>
+            <a:r>
+              <a:rPr lang="en-US" sz="1600" dirty="0"/>
+              <a:t>Enter your registered email address and password</a:t>
+            </a:r>
+          </a:p>
+          <a:p>
+            <a:pPr algn="just"/>
+            <a:r>
+              <a:rPr lang="en-US" sz="1600" b="1" dirty="0">
+                <a:solidFill>
+                  <a:srgbClr val="FF0000"/>
+                </a:solidFill>
+              </a:rPr>
+              <a:t>Step 3</a:t>
+            </a:r>
+            <a:r>
+              <a:rPr lang="en-US" sz="1600" dirty="0"/>
+              <a:t>: Click 'Sign In' to access your account and start exploring!</a:t>
+            </a:r>
+          </a:p>
+          <a:p>
+            <a:pPr algn="l"/>
+            <a:endParaRPr lang="en-US" sz="1600" dirty="0" smtClean="0"/>
+          </a:p>
+          <a:p>
+            <a:pPr algn="l"/>
+            <a:endParaRPr lang="en-US" sz="1600" dirty="0"/>
+          </a:p>
+        </p:txBody>
+      </p:sp>
+      <p:pic>
+        <p:nvPicPr>
+          <p:cNvPr id="4" name="Picture 3"/>
+          <p:cNvPicPr>
+            <a:picLocks noChangeAspect="1"/>
+          </p:cNvPicPr>
+          <p:nvPr/>
+        </p:nvPicPr>
+        <p:blipFill>
+          <a:blip r:embed="rId3" cstate="print">
+            <a:extLst>
+              <a:ext uri="{28A0092B-C50C-407E-A947-70E740481C1C}">
+                <a14:useLocalDpi xmlns:a14="http://schemas.microsoft.com/office/drawing/2010/main" val="0"/>
+              </a:ext>
+            </a:extLst>
+          </a:blip>
+          <a:stretch>
+            <a:fillRect/>
+          </a:stretch>
+        </p:blipFill>
+        <p:spPr>
+          <a:xfrm>
+            <a:off x="8858793" y="50696"/>
+            <a:ext cx="3226525" cy="573210"/>
+          </a:xfrm>
+          <a:prstGeom prst="rect">
+            <a:avLst/>
+          </a:prstGeom>
+        </p:spPr>
+      </p:pic>
+      <p:cxnSp>
+        <p:nvCxnSpPr>
+          <p:cNvPr id="8" name="Straight Connector 7"/>
+          <p:cNvCxnSpPr/>
+          <p:nvPr/>
+        </p:nvCxnSpPr>
+        <p:spPr>
+          <a:xfrm>
+            <a:off x="0" y="862149"/>
+            <a:ext cx="12192000" cy="0"/>
+          </a:xfrm>
+          <a:prstGeom prst="line">
+            <a:avLst/>
+          </a:prstGeom>
+        </p:spPr>
+        <p:style>
+          <a:lnRef idx="3">
+            <a:schemeClr val="dk1"/>
+          </a:lnRef>
+          <a:fillRef idx="0">
+            <a:schemeClr val="dk1"/>
+          </a:fillRef>
+          <a:effectRef idx="2">
+            <a:schemeClr val="dk1"/>
+          </a:effectRef>
+          <a:fontRef idx="minor">
+            <a:schemeClr val="tx1"/>
+          </a:fontRef>
+        </p:style>
+      </p:cxnSp>
+      <p:pic>
+        <p:nvPicPr>
+          <p:cNvPr id="7" name="Picture 6"/>
+          <p:cNvPicPr>
+            <a:picLocks noChangeAspect="1"/>
+          </p:cNvPicPr>
+          <p:nvPr/>
+        </p:nvPicPr>
+        <p:blipFill>
+          <a:blip r:embed="rId4"/>
+          <a:stretch>
+            <a:fillRect/>
+          </a:stretch>
+        </p:blipFill>
+        <p:spPr>
+          <a:xfrm>
+            <a:off x="1600200" y="3040380"/>
+            <a:ext cx="6492240" cy="3673928"/>
+          </a:xfrm>
+          <a:prstGeom prst="rect">
+            <a:avLst/>
+          </a:prstGeom>
+        </p:spPr>
+      </p:pic>
+    </p:spTree>
+    <p:extLst>
+      <p:ext uri="{BB962C8B-B14F-4D97-AF65-F5344CB8AC3E}">
+        <p14:creationId xmlns:p14="http://schemas.microsoft.com/office/powerpoint/2010/main" val="1539629874"/>
+      </p:ext>
+    </p:extLst>
+  </p:cSld>
+  <p:clrMapOvr>
+    <a:masterClrMapping/>
+  </p:clrMapOvr>
+  <p:timing>
+    <p:tnLst>
+      <p:par>
+        <p:cTn id="1" dur="indefinite" restart="never" nodeType="tmRoot"/>
+      </p:par>
+    </p:tnLst>
+  </p:timing>
+</p:sld>
+</file>
+
+<file path=ppt/slides/slide12.xml><?xml version="1.0" encoding="utf-8"?>
+<p:sld xmlns:a="http://schemas.openxmlformats.org/drawingml/2006/main" xmlns:r="http://schemas.openxmlformats.org/officeDocument/2006/relationships" xmlns:p="http://schemas.openxmlformats.org/presentationml/2006/main">
+  <p:cSld>
+    <p:spTree>
+      <p:nvGrpSpPr>
+        <p:cNvPr id="1" name=""/>
+        <p:cNvGrpSpPr/>
+        <p:nvPr/>
+      </p:nvGrpSpPr>
+      <p:grpSpPr>
+        <a:xfrm>
+          <a:off x="0" y="0"/>
+          <a:ext cx="0" cy="0"/>
+          <a:chOff x="0" y="0"/>
+          <a:chExt cx="0" cy="0"/>
+        </a:xfrm>
+      </p:grpSpPr>
+      <p:sp>
+        <p:nvSpPr>
+          <p:cNvPr id="2" name="Title 1"/>
+          <p:cNvSpPr>
+            <a:spLocks noGrp="1"/>
+          </p:cNvSpPr>
+          <p:nvPr>
+            <p:ph type="ctrTitle"/>
+          </p:nvPr>
+        </p:nvSpPr>
+        <p:spPr>
+          <a:xfrm>
+            <a:off x="1066799" y="491414"/>
+            <a:ext cx="9144000" cy="971626"/>
+          </a:xfrm>
+        </p:spPr>
+        <p:txBody>
+          <a:bodyPr>
+            <a:normAutofit/>
+          </a:bodyPr>
+          <a:lstStyle/>
+          <a:p>
+            <a:pPr algn="l"/>
+            <a:r>
+              <a:rPr lang="en-US" sz="4000" b="1" dirty="0" smtClean="0"/>
+              <a:t>2.1 Stock List</a:t>
+            </a:r>
+            <a:endParaRPr lang="en-US" sz="4000" b="1" dirty="0"/>
+          </a:p>
+        </p:txBody>
+      </p:sp>
+      <p:sp>
+        <p:nvSpPr>
+          <p:cNvPr id="3" name="Subtitle 2"/>
+          <p:cNvSpPr>
+            <a:spLocks noGrp="1"/>
+          </p:cNvSpPr>
+          <p:nvPr>
+            <p:ph type="subTitle" idx="1"/>
+          </p:nvPr>
+        </p:nvSpPr>
+        <p:spPr>
+          <a:xfrm>
+            <a:off x="143690" y="1463039"/>
+            <a:ext cx="11941627" cy="5251269"/>
+          </a:xfrm>
+        </p:spPr>
+        <p:txBody>
+          <a:bodyPr>
+            <a:noAutofit/>
+          </a:bodyPr>
+          <a:lstStyle/>
+          <a:p>
+            <a:pPr algn="just"/>
+            <a:r>
+              <a:rPr lang="en-US" sz="1600" dirty="0" smtClean="0"/>
+              <a:t>After </a:t>
+            </a:r>
+            <a:r>
+              <a:rPr lang="en-US" sz="1600" dirty="0"/>
+              <a:t>a successful login, you'll embark on your phone-hunting journey:</a:t>
+            </a:r>
+          </a:p>
+          <a:p>
+            <a:pPr algn="just"/>
+            <a:r>
+              <a:rPr lang="en-US" sz="1600" b="1" dirty="0">
+                <a:solidFill>
+                  <a:srgbClr val="FF0000"/>
+                </a:solidFill>
+              </a:rPr>
+              <a:t>Instant Access</a:t>
+            </a:r>
+            <a:r>
+              <a:rPr lang="en-US" sz="1600" dirty="0"/>
+              <a:t>: You'll be whisked away to our virtual showroom at </a:t>
+            </a:r>
+            <a:r>
+              <a:rPr lang="en-US" sz="1600" dirty="0">
+                <a:hlinkClick r:id="rId2"/>
+              </a:rPr>
+              <a:t>https://everestphones.com/stock-list</a:t>
+            </a:r>
+            <a:endParaRPr lang="en-US" sz="1600" dirty="0"/>
+          </a:p>
+          <a:p>
+            <a:pPr algn="just"/>
+            <a:r>
+              <a:rPr lang="en-US" sz="1600" b="1" dirty="0">
+                <a:solidFill>
+                  <a:srgbClr val="FF0000"/>
+                </a:solidFill>
+              </a:rPr>
+              <a:t>Your Personal Catalog</a:t>
+            </a:r>
+            <a:r>
+              <a:rPr lang="en-US" sz="1600" dirty="0"/>
+              <a:t>: Behold a curated list of our latest and greatest phones, each with: </a:t>
+            </a:r>
+            <a:endParaRPr lang="en-US" sz="1600" dirty="0" smtClean="0"/>
+          </a:p>
+          <a:p>
+            <a:pPr algn="just"/>
+            <a:r>
+              <a:rPr lang="en-US" sz="1600" dirty="0" smtClean="0"/>
+              <a:t>• </a:t>
+            </a:r>
+            <a:r>
+              <a:rPr lang="en-US" sz="1600" dirty="0"/>
+              <a:t>Real-time availability </a:t>
+            </a:r>
+            <a:r>
+              <a:rPr lang="en-US" sz="1600" dirty="0" smtClean="0"/>
+              <a:t> • </a:t>
+            </a:r>
+            <a:r>
+              <a:rPr lang="en-US" sz="1600" dirty="0"/>
+              <a:t>Competitive pricing </a:t>
+            </a:r>
+            <a:r>
+              <a:rPr lang="en-US" sz="1600" dirty="0" smtClean="0"/>
+              <a:t> • </a:t>
+            </a:r>
+            <a:r>
+              <a:rPr lang="en-US" sz="1600" dirty="0"/>
+              <a:t>Quality grade scale</a:t>
+            </a:r>
+          </a:p>
+          <a:p>
+            <a:pPr algn="just"/>
+            <a:r>
+              <a:rPr lang="en-US" sz="1600" b="1" dirty="0">
+                <a:solidFill>
+                  <a:srgbClr val="FF0000"/>
+                </a:solidFill>
+              </a:rPr>
+              <a:t>Dive Deeper</a:t>
+            </a:r>
+            <a:r>
+              <a:rPr lang="en-US" sz="1600" dirty="0"/>
+              <a:t>: Curious about a specific model? Simply click on any product to uncover: </a:t>
+            </a:r>
+            <a:endParaRPr lang="en-US" sz="1600" dirty="0" smtClean="0"/>
+          </a:p>
+          <a:p>
+            <a:pPr algn="just"/>
+            <a:r>
+              <a:rPr lang="en-US" sz="1600" dirty="0" smtClean="0"/>
+              <a:t>• </a:t>
+            </a:r>
+            <a:r>
+              <a:rPr lang="en-US" sz="1600" dirty="0"/>
+              <a:t>Detailed </a:t>
+            </a:r>
+            <a:r>
+              <a:rPr lang="en-US" sz="1600" dirty="0" smtClean="0"/>
+              <a:t>information • </a:t>
+            </a:r>
+            <a:r>
+              <a:rPr lang="en-US" sz="1600" dirty="0"/>
+              <a:t>Current warehouse location</a:t>
+            </a:r>
+          </a:p>
+          <a:p>
+            <a:pPr algn="l"/>
+            <a:endParaRPr lang="en-US" sz="1600" dirty="0"/>
+          </a:p>
+        </p:txBody>
+      </p:sp>
+      <p:pic>
+        <p:nvPicPr>
+          <p:cNvPr id="4" name="Picture 3"/>
+          <p:cNvPicPr>
+            <a:picLocks noChangeAspect="1"/>
+          </p:cNvPicPr>
+          <p:nvPr/>
+        </p:nvPicPr>
+        <p:blipFill>
+          <a:blip r:embed="rId3" cstate="print">
+            <a:extLst>
+              <a:ext uri="{28A0092B-C50C-407E-A947-70E740481C1C}">
+                <a14:useLocalDpi xmlns:a14="http://schemas.microsoft.com/office/drawing/2010/main" val="0"/>
+              </a:ext>
+            </a:extLst>
+          </a:blip>
+          <a:stretch>
+            <a:fillRect/>
+          </a:stretch>
+        </p:blipFill>
+        <p:spPr>
+          <a:xfrm>
+            <a:off x="8858793" y="50696"/>
+            <a:ext cx="3226525" cy="573210"/>
+          </a:xfrm>
+          <a:prstGeom prst="rect">
+            <a:avLst/>
+          </a:prstGeom>
+        </p:spPr>
+      </p:pic>
+      <p:cxnSp>
+        <p:nvCxnSpPr>
+          <p:cNvPr id="8" name="Straight Connector 7"/>
+          <p:cNvCxnSpPr/>
+          <p:nvPr/>
+        </p:nvCxnSpPr>
+        <p:spPr>
+          <a:xfrm>
+            <a:off x="0" y="862149"/>
+            <a:ext cx="12192000" cy="0"/>
+          </a:xfrm>
+          <a:prstGeom prst="line">
+            <a:avLst/>
+          </a:prstGeom>
+        </p:spPr>
+        <p:style>
+          <a:lnRef idx="3">
+            <a:schemeClr val="dk1"/>
+          </a:lnRef>
+          <a:fillRef idx="0">
+            <a:schemeClr val="dk1"/>
+          </a:fillRef>
+          <a:effectRef idx="2">
+            <a:schemeClr val="dk1"/>
+          </a:effectRef>
+          <a:fontRef idx="minor">
+            <a:schemeClr val="tx1"/>
+          </a:fontRef>
+        </p:style>
+      </p:cxnSp>
+      <p:pic>
+        <p:nvPicPr>
+          <p:cNvPr id="5" name="Picture 4"/>
+          <p:cNvPicPr>
+            <a:picLocks noChangeAspect="1"/>
+          </p:cNvPicPr>
+          <p:nvPr/>
+        </p:nvPicPr>
+        <p:blipFill>
+          <a:blip r:embed="rId4"/>
+          <a:stretch>
+            <a:fillRect/>
+          </a:stretch>
+        </p:blipFill>
+        <p:spPr>
+          <a:xfrm>
+            <a:off x="143690" y="3526972"/>
+            <a:ext cx="11312434" cy="3069771"/>
+          </a:xfrm>
+          <a:prstGeom prst="rect">
+            <a:avLst/>
+          </a:prstGeom>
+        </p:spPr>
+      </p:pic>
+    </p:spTree>
+    <p:extLst>
+      <p:ext uri="{BB962C8B-B14F-4D97-AF65-F5344CB8AC3E}">
+        <p14:creationId xmlns:p14="http://schemas.microsoft.com/office/powerpoint/2010/main" val="2521142151"/>
+      </p:ext>
+    </p:extLst>
+  </p:cSld>
+  <p:clrMapOvr>
+    <a:masterClrMapping/>
+  </p:clrMapOvr>
+  <p:timing>
+    <p:tnLst>
+      <p:par>
+        <p:cTn id="1" dur="indefinite" restart="never" nodeType="tmRoot"/>
+      </p:par>
+    </p:tnLst>
+  </p:timing>
+</p:sld>
+</file>
+
+<file path=ppt/slides/slide13.xml><?xml version="1.0" encoding="utf-8"?>
+<p:sld xmlns:a="http://schemas.openxmlformats.org/drawingml/2006/main" xmlns:r="http://schemas.openxmlformats.org/officeDocument/2006/relationships" xmlns:p="http://schemas.openxmlformats.org/presentationml/2006/main">
+  <p:cSld>
+    <p:spTree>
+      <p:nvGrpSpPr>
+        <p:cNvPr id="1" name=""/>
+        <p:cNvGrpSpPr/>
+        <p:nvPr/>
+      </p:nvGrpSpPr>
+      <p:grpSpPr>
+        <a:xfrm>
+          <a:off x="0" y="0"/>
+          <a:ext cx="0" cy="0"/>
+          <a:chOff x="0" y="0"/>
+          <a:chExt cx="0" cy="0"/>
+        </a:xfrm>
+      </p:grpSpPr>
+      <p:sp>
+        <p:nvSpPr>
+          <p:cNvPr id="2" name="Title 1"/>
+          <p:cNvSpPr>
+            <a:spLocks noGrp="1"/>
+          </p:cNvSpPr>
+          <p:nvPr>
+            <p:ph type="ctrTitle"/>
+          </p:nvPr>
+        </p:nvSpPr>
+        <p:spPr>
+          <a:xfrm>
+            <a:off x="1066799" y="491414"/>
+            <a:ext cx="9144000" cy="971626"/>
+          </a:xfrm>
+        </p:spPr>
+        <p:txBody>
+          <a:bodyPr>
+            <a:normAutofit/>
+          </a:bodyPr>
+          <a:lstStyle/>
+          <a:p>
+            <a:pPr algn="l"/>
+            <a:r>
+              <a:rPr lang="en-US" sz="4000" b="1" dirty="0" smtClean="0"/>
+              <a:t>2.2 Shipping phones from Everest Phones</a:t>
+            </a:r>
+            <a:endParaRPr lang="en-US" sz="4000" b="1" dirty="0"/>
+          </a:p>
+        </p:txBody>
+      </p:sp>
+      <p:sp>
+        <p:nvSpPr>
+          <p:cNvPr id="3" name="Subtitle 2"/>
+          <p:cNvSpPr>
+            <a:spLocks noGrp="1"/>
+          </p:cNvSpPr>
+          <p:nvPr>
+            <p:ph type="subTitle" idx="1"/>
+          </p:nvPr>
+        </p:nvSpPr>
+        <p:spPr>
+          <a:xfrm>
+            <a:off x="143690" y="1463039"/>
+            <a:ext cx="11941627" cy="5251269"/>
+          </a:xfrm>
+        </p:spPr>
+        <p:txBody>
+          <a:bodyPr>
+            <a:noAutofit/>
+          </a:bodyPr>
+          <a:lstStyle/>
+          <a:p>
+            <a:pPr algn="l"/>
+            <a:endParaRPr lang="en-US" sz="1600" dirty="0"/>
+          </a:p>
+        </p:txBody>
+      </p:sp>
+      <p:pic>
+        <p:nvPicPr>
+          <p:cNvPr id="4" name="Picture 3"/>
+          <p:cNvPicPr>
+            <a:picLocks noChangeAspect="1"/>
+          </p:cNvPicPr>
+          <p:nvPr/>
+        </p:nvPicPr>
+        <p:blipFill>
+          <a:blip r:embed="rId2" cstate="print">
+            <a:extLst>
+              <a:ext uri="{28A0092B-C50C-407E-A947-70E740481C1C}">
+                <a14:useLocalDpi xmlns:a14="http://schemas.microsoft.com/office/drawing/2010/main" val="0"/>
+              </a:ext>
+            </a:extLst>
+          </a:blip>
+          <a:stretch>
+            <a:fillRect/>
+          </a:stretch>
+        </p:blipFill>
+        <p:spPr>
+          <a:xfrm>
+            <a:off x="8858793" y="50696"/>
+            <a:ext cx="3226525" cy="573210"/>
+          </a:xfrm>
+          <a:prstGeom prst="rect">
+            <a:avLst/>
+          </a:prstGeom>
+        </p:spPr>
+      </p:pic>
+      <p:cxnSp>
+        <p:nvCxnSpPr>
+          <p:cNvPr id="8" name="Straight Connector 7"/>
+          <p:cNvCxnSpPr/>
+          <p:nvPr/>
+        </p:nvCxnSpPr>
+        <p:spPr>
+          <a:xfrm>
+            <a:off x="0" y="862149"/>
+            <a:ext cx="12192000" cy="0"/>
+          </a:xfrm>
+          <a:prstGeom prst="line">
+            <a:avLst/>
+          </a:prstGeom>
+        </p:spPr>
+        <p:style>
+          <a:lnRef idx="3">
+            <a:schemeClr val="dk1"/>
+          </a:lnRef>
+          <a:fillRef idx="0">
+            <a:schemeClr val="dk1"/>
+          </a:fillRef>
+          <a:effectRef idx="2">
+            <a:schemeClr val="dk1"/>
+          </a:effectRef>
+          <a:fontRef idx="minor">
+            <a:schemeClr val="tx1"/>
+          </a:fontRef>
+        </p:style>
+      </p:cxnSp>
+    </p:spTree>
+    <p:extLst>
+      <p:ext uri="{BB962C8B-B14F-4D97-AF65-F5344CB8AC3E}">
+        <p14:creationId xmlns:p14="http://schemas.microsoft.com/office/powerpoint/2010/main" val="2291384725"/>
+      </p:ext>
+    </p:extLst>
+  </p:cSld>
+  <p:clrMapOvr>
+    <a:masterClrMapping/>
+  </p:clrMapOvr>
+  <p:timing>
+    <p:tnLst>
+      <p:par>
+        <p:cTn id="1" dur="indefinite" restart="never" nodeType="tmRoot"/>
+      </p:par>
+    </p:tnLst>
+  </p:timing>
+</p:sld>
+</file>
+
+<file path=ppt/slides/slide14.xml><?xml version="1.0" encoding="utf-8"?>
+<p:sld xmlns:a="http://schemas.openxmlformats.org/drawingml/2006/main" xmlns:r="http://schemas.openxmlformats.org/officeDocument/2006/relationships" xmlns:p="http://schemas.openxmlformats.org/presentationml/2006/main">
+  <p:cSld>
+    <p:spTree>
+      <p:nvGrpSpPr>
+        <p:cNvPr id="1" name=""/>
+        <p:cNvGrpSpPr/>
+        <p:nvPr/>
+      </p:nvGrpSpPr>
+      <p:grpSpPr>
+        <a:xfrm>
+          <a:off x="0" y="0"/>
+          <a:ext cx="0" cy="0"/>
+          <a:chOff x="0" y="0"/>
+          <a:chExt cx="0" cy="0"/>
+        </a:xfrm>
+      </p:grpSpPr>
+      <p:sp>
+        <p:nvSpPr>
+          <p:cNvPr id="2" name="Title 1"/>
+          <p:cNvSpPr>
+            <a:spLocks noGrp="1"/>
+          </p:cNvSpPr>
+          <p:nvPr>
+            <p:ph type="ctrTitle"/>
+          </p:nvPr>
+        </p:nvSpPr>
+        <p:spPr>
+          <a:xfrm>
+            <a:off x="1066799" y="491414"/>
+            <a:ext cx="9144000" cy="971626"/>
+          </a:xfrm>
+        </p:spPr>
+        <p:txBody>
+          <a:bodyPr>
+            <a:normAutofit/>
+          </a:bodyPr>
+          <a:lstStyle/>
+          <a:p>
+            <a:pPr algn="l"/>
+            <a:r>
+              <a:rPr lang="en-US" sz="4000" b="1" dirty="0" smtClean="0"/>
+              <a:t>2. </a:t>
+            </a:r>
+            <a:r>
+              <a:rPr lang="en-US" sz="4000" b="1" dirty="0"/>
+              <a:t>Account Access and Core Functions</a:t>
+            </a:r>
+            <a:endParaRPr lang="en-US" sz="4000" b="1" dirty="0"/>
+          </a:p>
+        </p:txBody>
+      </p:sp>
+      <p:sp>
+        <p:nvSpPr>
+          <p:cNvPr id="3" name="Subtitle 2"/>
+          <p:cNvSpPr>
+            <a:spLocks noGrp="1"/>
+          </p:cNvSpPr>
+          <p:nvPr>
+            <p:ph type="subTitle" idx="1"/>
+          </p:nvPr>
+        </p:nvSpPr>
+        <p:spPr>
+          <a:xfrm>
+            <a:off x="143690" y="1463039"/>
+            <a:ext cx="11941627" cy="5251269"/>
+          </a:xfrm>
+        </p:spPr>
+        <p:txBody>
+          <a:bodyPr>
+            <a:noAutofit/>
+          </a:bodyPr>
+          <a:lstStyle/>
+          <a:p>
+            <a:pPr algn="l"/>
+            <a:endParaRPr lang="en-US" sz="1600" dirty="0"/>
+          </a:p>
+        </p:txBody>
+      </p:sp>
+      <p:pic>
+        <p:nvPicPr>
+          <p:cNvPr id="4" name="Picture 3"/>
+          <p:cNvPicPr>
+            <a:picLocks noChangeAspect="1"/>
+          </p:cNvPicPr>
+          <p:nvPr/>
+        </p:nvPicPr>
+        <p:blipFill>
+          <a:blip r:embed="rId2" cstate="print">
+            <a:extLst>
+              <a:ext uri="{28A0092B-C50C-407E-A947-70E740481C1C}">
+                <a14:useLocalDpi xmlns:a14="http://schemas.microsoft.com/office/drawing/2010/main" val="0"/>
+              </a:ext>
+            </a:extLst>
+          </a:blip>
+          <a:stretch>
+            <a:fillRect/>
+          </a:stretch>
+        </p:blipFill>
+        <p:spPr>
+          <a:xfrm>
+            <a:off x="8858793" y="50696"/>
+            <a:ext cx="3226525" cy="573210"/>
+          </a:xfrm>
+          <a:prstGeom prst="rect">
+            <a:avLst/>
+          </a:prstGeom>
+        </p:spPr>
+      </p:pic>
+      <p:cxnSp>
+        <p:nvCxnSpPr>
+          <p:cNvPr id="8" name="Straight Connector 7"/>
+          <p:cNvCxnSpPr/>
+          <p:nvPr/>
+        </p:nvCxnSpPr>
+        <p:spPr>
+          <a:xfrm>
+            <a:off x="0" y="862149"/>
+            <a:ext cx="12192000" cy="0"/>
+          </a:xfrm>
+          <a:prstGeom prst="line">
+            <a:avLst/>
+          </a:prstGeom>
+        </p:spPr>
+        <p:style>
+          <a:lnRef idx="3">
+            <a:schemeClr val="dk1"/>
+          </a:lnRef>
+          <a:fillRef idx="0">
+            <a:schemeClr val="dk1"/>
+          </a:fillRef>
+          <a:effectRef idx="2">
+            <a:schemeClr val="dk1"/>
+          </a:effectRef>
+          <a:fontRef idx="minor">
+            <a:schemeClr val="tx1"/>
+          </a:fontRef>
+        </p:style>
+      </p:cxnSp>
+    </p:spTree>
+    <p:extLst>
+      <p:ext uri="{BB962C8B-B14F-4D97-AF65-F5344CB8AC3E}">
+        <p14:creationId xmlns:p14="http://schemas.microsoft.com/office/powerpoint/2010/main" val="2024631523"/>
+      </p:ext>
+    </p:extLst>
+  </p:cSld>
+  <p:clrMapOvr>
+    <a:masterClrMapping/>
+  </p:clrMapOvr>
+  <p:timing>
+    <p:tnLst>
+      <p:par>
+        <p:cTn id="1" dur="indefinite" restart="never" nodeType="tmRoot"/>
+      </p:par>
+    </p:tnLst>
+  </p:timing>
+</p:sld>
+</file>
+
 <file path=ppt/slides/slide2.xml><?xml version="1.0" encoding="utf-8"?>
 <p:sld xmlns:a="http://schemas.openxmlformats.org/drawingml/2006/main" xmlns:r="http://schemas.openxmlformats.org/officeDocument/2006/relationships" xmlns:p="http://schemas.openxmlformats.org/presentationml/2006/main">
   <p:cSld>
@@ -3676,8 +4557,8 @@
   <p:clrMapOvr>
     <a:masterClrMapping/>
   </p:clrMapOvr>
-  <mc:AlternateContent xmlns:mc="http://schemas.openxmlformats.org/markup-compatibility/2006">
-    <mc:Choice xmlns:p14="http://schemas.microsoft.com/office/powerpoint/2010/main" Requires="p14">
+  <mc:AlternateContent xmlns:mc="http://schemas.openxmlformats.org/markup-compatibility/2006" xmlns:p14="http://schemas.microsoft.com/office/powerpoint/2010/main">
+    <mc:Choice Requires="p14">
       <p:transition spd="slow" p14:dur="2000">
         <p:sndAc>
           <p:stSnd>
@@ -3686,11 +4567,11 @@
         </p:sndAc>
       </p:transition>
     </mc:Choice>
-    <mc:Fallback>
+    <mc:Fallback xmlns="">
       <p:transition spd="slow">
         <p:sndAc>
           <p:stSnd>
-            <p:snd r:embed="rId2" name="applause.wav"/>
+            <p:snd r:embed="rId6" name="applause.wav"/>
           </p:stSnd>
         </p:sndAc>
       </p:transition>
@@ -3802,19 +4683,11 @@
             </a:r>
             <a:r>
               <a:rPr lang="en-US" sz="2000" b="1" dirty="0" smtClean="0"/>
-              <a:t>        </a:t>
-            </a:r>
-            <a:r>
-              <a:rPr lang="en-US" sz="2000" b="1" dirty="0" smtClean="0"/>
-              <a:t>      </a:t>
+              <a:t>              </a:t>
             </a:r>
             <a:r>
               <a:rPr lang="en-US" sz="2000" dirty="0" smtClean="0"/>
-              <a:t>:</a:t>
-            </a:r>
-            <a:r>
-              <a:rPr lang="en-US" sz="2000" dirty="0" smtClean="0"/>
-              <a:t>Enter </a:t>
+              <a:t>:Enter </a:t>
             </a:r>
             <a:r>
               <a:rPr lang="en-US" sz="2000" dirty="0"/>
@@ -3840,19 +4713,11 @@
             </a:r>
             <a:r>
               <a:rPr lang="en-US" sz="2000" b="1" dirty="0" smtClean="0"/>
-              <a:t>         </a:t>
-            </a:r>
-            <a:r>
-              <a:rPr lang="en-US" sz="2000" b="1" dirty="0" smtClean="0"/>
-              <a:t>      </a:t>
+              <a:t>               </a:t>
             </a:r>
             <a:r>
               <a:rPr lang="en-US" sz="2000" dirty="0" smtClean="0"/>
-              <a:t>:</a:t>
-            </a:r>
-            <a:r>
-              <a:rPr lang="en-US" sz="2000" dirty="0" smtClean="0"/>
-              <a:t>Enter </a:t>
+              <a:t>:Enter </a:t>
             </a:r>
             <a:r>
               <a:rPr lang="en-US" sz="2000" dirty="0"/>
@@ -3878,19 +4743,11 @@
             </a:r>
             <a:r>
               <a:rPr lang="en-US" sz="2000" b="1" dirty="0" smtClean="0"/>
-              <a:t> </a:t>
-            </a:r>
-            <a:r>
-              <a:rPr lang="en-US" sz="2000" b="1" dirty="0" smtClean="0"/>
-              <a:t>     </a:t>
+              <a:t>      </a:t>
             </a:r>
             <a:r>
               <a:rPr lang="en-US" sz="2000" dirty="0" smtClean="0"/>
-              <a:t>:</a:t>
-            </a:r>
-            <a:r>
-              <a:rPr lang="en-US" sz="2000" dirty="0" smtClean="0"/>
-              <a:t>Enter </a:t>
+              <a:t>:Enter </a:t>
             </a:r>
             <a:r>
               <a:rPr lang="en-US" sz="2000" dirty="0"/>
@@ -3908,19 +4765,11 @@
             </a:r>
             <a:r>
               <a:rPr lang="en-US" sz="2000" b="1" dirty="0" smtClean="0"/>
-              <a:t>                   </a:t>
-            </a:r>
-            <a:r>
-              <a:rPr lang="en-US" sz="2000" b="1" dirty="0" smtClean="0"/>
-              <a:t>     </a:t>
+              <a:t>                        </a:t>
             </a:r>
             <a:r>
               <a:rPr lang="en-US" sz="2000" dirty="0" smtClean="0"/>
-              <a:t>:</a:t>
-            </a:r>
-            <a:r>
-              <a:rPr lang="en-US" sz="2000" dirty="0" smtClean="0"/>
-              <a:t>Provide </a:t>
+              <a:t>:Provide </a:t>
             </a:r>
             <a:r>
               <a:rPr lang="en-US" sz="2000" dirty="0"/>
@@ -3946,35 +4795,11 @@
             </a:r>
             <a:r>
               <a:rPr lang="en-US" sz="2000" b="1" dirty="0" smtClean="0"/>
-              <a:t>            </a:t>
-            </a:r>
-            <a:r>
-              <a:rPr lang="en-US" sz="2000" b="1" dirty="0" smtClean="0"/>
-              <a:t>    </a:t>
+              <a:t>                </a:t>
             </a:r>
             <a:r>
               <a:rPr lang="en-US" sz="2000" dirty="0" smtClean="0"/>
-              <a:t>:</a:t>
-            </a:r>
-            <a:r>
-              <a:rPr lang="en-US" sz="2000" dirty="0" smtClean="0"/>
-              <a:t>Create a strong password in the "Password" field. The password should be at </a:t>
-            </a:r>
-            <a:r>
-              <a:rPr lang="en-US" sz="2000" dirty="0" smtClean="0"/>
-              <a:t>least </a:t>
-            </a:r>
-            <a:r>
-              <a:rPr lang="en-US" sz="2000" dirty="0" smtClean="0"/>
-              <a:t>8 characters long and include a mix of letters, numbers, and special 		                   </a:t>
-            </a:r>
-            <a:r>
-              <a:rPr lang="en-US" sz="2000" dirty="0" smtClean="0"/>
-              <a:t> characters</a:t>
-            </a:r>
-            <a:r>
-              <a:rPr lang="en-US" sz="2000" dirty="0" smtClean="0"/>
-              <a:t>.</a:t>
+              <a:t>:Create a strong password in the "Password" field. The password should be at least 8 characters long and include a mix of letters, numbers, and special 		                    characters.</a:t>
             </a:r>
             <a:endParaRPr lang="en-US" sz="2000" dirty="0"/>
           </a:p>
@@ -4052,11 +4877,7 @@
             </a:r>
             <a:r>
               <a:rPr lang="en-US" sz="2000" dirty="0" smtClean="0"/>
-              <a:t>the </a:t>
-            </a:r>
-            <a:r>
-              <a:rPr lang="en-US" sz="2000" dirty="0" smtClean="0"/>
-              <a:t>form </a:t>
+              <a:t>the form </a:t>
             </a:r>
             <a:r>
               <a:rPr lang="en-US" sz="2000" dirty="0"/>
@@ -4843,11 +5664,7 @@
             <a:pPr algn="l"/>
             <a:r>
               <a:rPr lang="en-US" sz="4000" b="1" dirty="0" smtClean="0"/>
-              <a:t>   1.3 Sign </a:t>
-            </a:r>
-            <a:r>
-              <a:rPr lang="en-US" sz="4000" b="1" dirty="0" smtClean="0"/>
-              <a:t>In</a:t>
+              <a:t>   1.3 Sign In</a:t>
             </a:r>
             <a:endParaRPr lang="en-US" sz="4000" b="1" dirty="0"/>
           </a:p>
@@ -4893,7 +5710,6 @@
               <a:rPr lang="en-US" sz="2000" dirty="0"/>
               <a:t>, entering your email and password credentials, and clicking the 'Sign In' button</a:t>
             </a:r>
-            <a:endParaRPr lang="en-US" sz="2000" dirty="0"/>
           </a:p>
         </p:txBody>
       </p:sp>
@@ -5043,11 +5859,7 @@
             <a:pPr algn="l"/>
             <a:r>
               <a:rPr lang="en-US" sz="4000" b="1" dirty="0" smtClean="0"/>
-              <a:t>   1.4 First Time Loggin</a:t>
-            </a:r>
-            <a:r>
-              <a:rPr lang="en-US" sz="4000" b="1" dirty="0" smtClean="0"/>
-              <a:t>g In</a:t>
+              <a:t>   1.4 First Time Logging In</a:t>
             </a:r>
             <a:endParaRPr lang="en-US" sz="4000" b="1" dirty="0"/>
           </a:p>

--- a/EVEREST PHONES.pptx
+++ b/EVEREST PHONES.pptx
@@ -19,6 +19,7 @@
     <p:sldId id="268" r:id="rId13"/>
     <p:sldId id="269" r:id="rId14"/>
     <p:sldId id="270" r:id="rId15"/>
+    <p:sldId id="271" r:id="rId16"/>
   </p:sldIdLst>
   <p:sldSz cx="12192000" cy="6858000"/>
   <p:notesSz cx="6858000" cy="9144000"/>
@@ -136,6 +137,7 @@
             <p14:sldId id="268"/>
             <p14:sldId id="269"/>
             <p14:sldId id="270"/>
+            <p14:sldId id="271"/>
           </p14:sldIdLst>
         </p14:section>
       </p14:sectionLst>
@@ -278,7 +280,7 @@
           <a:p>
             <a:fld id="{7312517A-3F6F-449B-80CF-BC9EF307FF21}" type="datetimeFigureOut">
               <a:rPr lang="en-US" smtClean="0"/>
-              <a:t>9/8/2024</a:t>
+              <a:t>9/9/2024</a:t>
             </a:fld>
             <a:endParaRPr lang="en-US"/>
           </a:p>
@@ -448,7 +450,7 @@
           <a:p>
             <a:fld id="{7312517A-3F6F-449B-80CF-BC9EF307FF21}" type="datetimeFigureOut">
               <a:rPr lang="en-US" smtClean="0"/>
-              <a:t>9/8/2024</a:t>
+              <a:t>9/9/2024</a:t>
             </a:fld>
             <a:endParaRPr lang="en-US"/>
           </a:p>
@@ -628,7 +630,7 @@
           <a:p>
             <a:fld id="{7312517A-3F6F-449B-80CF-BC9EF307FF21}" type="datetimeFigureOut">
               <a:rPr lang="en-US" smtClean="0"/>
-              <a:t>9/8/2024</a:t>
+              <a:t>9/9/2024</a:t>
             </a:fld>
             <a:endParaRPr lang="en-US"/>
           </a:p>
@@ -798,7 +800,7 @@
           <a:p>
             <a:fld id="{7312517A-3F6F-449B-80CF-BC9EF307FF21}" type="datetimeFigureOut">
               <a:rPr lang="en-US" smtClean="0"/>
-              <a:t>9/8/2024</a:t>
+              <a:t>9/9/2024</a:t>
             </a:fld>
             <a:endParaRPr lang="en-US"/>
           </a:p>
@@ -1044,7 +1046,7 @@
           <a:p>
             <a:fld id="{7312517A-3F6F-449B-80CF-BC9EF307FF21}" type="datetimeFigureOut">
               <a:rPr lang="en-US" smtClean="0"/>
-              <a:t>9/8/2024</a:t>
+              <a:t>9/9/2024</a:t>
             </a:fld>
             <a:endParaRPr lang="en-US"/>
           </a:p>
@@ -1276,7 +1278,7 @@
           <a:p>
             <a:fld id="{7312517A-3F6F-449B-80CF-BC9EF307FF21}" type="datetimeFigureOut">
               <a:rPr lang="en-US" smtClean="0"/>
-              <a:t>9/8/2024</a:t>
+              <a:t>9/9/2024</a:t>
             </a:fld>
             <a:endParaRPr lang="en-US"/>
           </a:p>
@@ -1643,7 +1645,7 @@
           <a:p>
             <a:fld id="{7312517A-3F6F-449B-80CF-BC9EF307FF21}" type="datetimeFigureOut">
               <a:rPr lang="en-US" smtClean="0"/>
-              <a:t>9/8/2024</a:t>
+              <a:t>9/9/2024</a:t>
             </a:fld>
             <a:endParaRPr lang="en-US"/>
           </a:p>
@@ -1761,7 +1763,7 @@
           <a:p>
             <a:fld id="{7312517A-3F6F-449B-80CF-BC9EF307FF21}" type="datetimeFigureOut">
               <a:rPr lang="en-US" smtClean="0"/>
-              <a:t>9/8/2024</a:t>
+              <a:t>9/9/2024</a:t>
             </a:fld>
             <a:endParaRPr lang="en-US"/>
           </a:p>
@@ -1856,7 +1858,7 @@
           <a:p>
             <a:fld id="{7312517A-3F6F-449B-80CF-BC9EF307FF21}" type="datetimeFigureOut">
               <a:rPr lang="en-US" smtClean="0"/>
-              <a:t>9/8/2024</a:t>
+              <a:t>9/9/2024</a:t>
             </a:fld>
             <a:endParaRPr lang="en-US"/>
           </a:p>
@@ -2133,7 +2135,7 @@
           <a:p>
             <a:fld id="{7312517A-3F6F-449B-80CF-BC9EF307FF21}" type="datetimeFigureOut">
               <a:rPr lang="en-US" smtClean="0"/>
-              <a:t>9/8/2024</a:t>
+              <a:t>9/9/2024</a:t>
             </a:fld>
             <a:endParaRPr lang="en-US"/>
           </a:p>
@@ -2386,7 +2388,7 @@
           <a:p>
             <a:fld id="{7312517A-3F6F-449B-80CF-BC9EF307FF21}" type="datetimeFigureOut">
               <a:rPr lang="en-US" smtClean="0"/>
-              <a:t>9/8/2024</a:t>
+              <a:t>9/9/2024</a:t>
             </a:fld>
             <a:endParaRPr lang="en-US"/>
           </a:p>
@@ -2599,7 +2601,7 @@
           <a:p>
             <a:fld id="{7312517A-3F6F-449B-80CF-BC9EF307FF21}" type="datetimeFigureOut">
               <a:rPr lang="en-US" smtClean="0"/>
-              <a:t>9/8/2024</a:t>
+              <a:t>9/9/2024</a:t>
             </a:fld>
             <a:endParaRPr lang="en-US"/>
           </a:p>
@@ -3422,7 +3424,6 @@
               <a:rPr lang="en-US" sz="4000" b="1" dirty="0"/>
               <a:t>Account Access and Core Functions</a:t>
             </a:r>
-            <a:endParaRPr lang="en-US" sz="4000" b="1" dirty="0"/>
           </a:p>
         </p:txBody>
       </p:sp>
@@ -3975,7 +3976,11 @@
             <a:pPr algn="l"/>
             <a:r>
               <a:rPr lang="en-US" sz="4000" b="1" dirty="0" smtClean="0"/>
-              <a:t>2.2 Shipping phones from Everest Phones</a:t>
+              <a:t>2.2 </a:t>
+            </a:r>
+            <a:r>
+              <a:rPr lang="en-US" sz="4000" b="1" dirty="0"/>
+              <a:t>Shipping phones from Everest Phones</a:t>
             </a:r>
             <a:endParaRPr lang="en-US" sz="4000" b="1" dirty="0"/>
           </a:p>
@@ -4003,8 +4008,104 @@
           </a:bodyPr>
           <a:lstStyle/>
           <a:p>
-            <a:pPr algn="l"/>
-            <a:endParaRPr lang="en-US" sz="1600" dirty="0"/>
+            <a:pPr algn="just"/>
+            <a:r>
+              <a:rPr lang="en-US" sz="2200" dirty="0"/>
+              <a:t>When you're ready to make a move on your desired phone, the process couldn't be simpler:</a:t>
+            </a:r>
+          </a:p>
+          <a:p>
+            <a:pPr marL="342900" indent="-342900" algn="just">
+              <a:buFont typeface="+mj-lt"/>
+              <a:buAutoNum type="arabicPeriod"/>
+            </a:pPr>
+            <a:r>
+              <a:rPr lang="en-US" sz="2200" dirty="0"/>
+              <a:t>Locate the "</a:t>
+            </a:r>
+            <a:r>
+              <a:rPr lang="en-US" sz="2200" b="1" dirty="0">
+                <a:solidFill>
+                  <a:srgbClr val="FF0000"/>
+                </a:solidFill>
+              </a:rPr>
+              <a:t>Buy Now</a:t>
+            </a:r>
+            <a:r>
+              <a:rPr lang="en-US" sz="2200" dirty="0"/>
+              <a:t>" button on any product page.</a:t>
+            </a:r>
+          </a:p>
+          <a:p>
+            <a:pPr marL="342900" indent="-342900" algn="just">
+              <a:buFont typeface="+mj-lt"/>
+              <a:buAutoNum type="arabicPeriod"/>
+            </a:pPr>
+            <a:r>
+              <a:rPr lang="en-US" sz="2200" dirty="0"/>
+              <a:t>Click it to open a handy modal window.</a:t>
+            </a:r>
+          </a:p>
+          <a:p>
+            <a:pPr marL="342900" indent="-342900" algn="just">
+              <a:buFont typeface="+mj-lt"/>
+              <a:buAutoNum type="arabicPeriod"/>
+            </a:pPr>
+            <a:r>
+              <a:rPr lang="en-US" sz="2200" dirty="0"/>
+              <a:t>Use the controls to adjust the quantity you'd like to purchase.</a:t>
+            </a:r>
+          </a:p>
+          <a:p>
+            <a:pPr marL="342900" indent="-342900" algn="just">
+              <a:buFont typeface="+mj-lt"/>
+              <a:buAutoNum type="arabicPeriod"/>
+            </a:pPr>
+            <a:r>
+              <a:rPr lang="en-US" sz="2200" dirty="0"/>
+              <a:t>Review the detailed product info one more time.</a:t>
+            </a:r>
+          </a:p>
+          <a:p>
+            <a:pPr marL="342900" indent="-342900" algn="just">
+              <a:buFont typeface="+mj-lt"/>
+              <a:buAutoNum type="arabicPeriod"/>
+            </a:pPr>
+            <a:r>
+              <a:rPr lang="en-US" sz="2200" dirty="0"/>
+              <a:t>Click "</a:t>
+            </a:r>
+            <a:r>
+              <a:rPr lang="en-US" sz="2200" b="1" dirty="0">
+                <a:solidFill>
+                  <a:srgbClr val="FF0000"/>
+                </a:solidFill>
+              </a:rPr>
+              <a:t>Add to Cart</a:t>
+            </a:r>
+            <a:r>
+              <a:rPr lang="en-US" sz="2200" dirty="0"/>
+              <a:t>" to safely stow your selection.</a:t>
+            </a:r>
+          </a:p>
+          <a:p>
+            <a:pPr algn="just"/>
+            <a:r>
+              <a:rPr lang="en-US" sz="2200" dirty="0"/>
+              <a:t>Your items are now nestled in your personal shopping cart, just waiting for you to complete the checkout process.</a:t>
+            </a:r>
+          </a:p>
+          <a:p>
+            <a:pPr algn="just"/>
+            <a:r>
+              <a:rPr lang="en-US" sz="2000" dirty="0"/>
+              <a:t>From here, you can continue browsing our full stock list, adjust quantities as needed, or proceed to finalize your order. It's all about giving you the control and flexibility to shop with </a:t>
+            </a:r>
+            <a:r>
+              <a:rPr lang="en-US" sz="2000" dirty="0" smtClean="0"/>
+              <a:t>confidence.</a:t>
+            </a:r>
+            <a:endParaRPr lang="en-US" sz="2200" dirty="0"/>
           </a:p>
         </p:txBody>
       </p:sp>
@@ -4130,11 +4231,7 @@
             <a:pPr algn="l"/>
             <a:r>
               <a:rPr lang="en-US" sz="4000" b="1" dirty="0" smtClean="0"/>
-              <a:t>2. </a:t>
-            </a:r>
-            <a:r>
-              <a:rPr lang="en-US" sz="4000" b="1" dirty="0"/>
-              <a:t>Account Access and Core Functions</a:t>
+              <a:t>2.3 Screenshot of adding item in cart</a:t>
             </a:r>
             <a:endParaRPr lang="en-US" sz="4000" b="1" dirty="0"/>
           </a:p>
@@ -4152,8 +4249,8 @@
         </p:nvSpPr>
         <p:spPr>
           <a:xfrm>
-            <a:off x="143690" y="1463039"/>
-            <a:ext cx="11941627" cy="5251269"/>
+            <a:off x="209006" y="1463040"/>
+            <a:ext cx="11508377" cy="5185953"/>
           </a:xfrm>
         </p:spPr>
         <p:txBody>
@@ -4227,10 +4324,424 @@
           </a:fontRef>
         </p:style>
       </p:cxnSp>
+      <p:pic>
+        <p:nvPicPr>
+          <p:cNvPr id="10" name="Picture 9"/>
+          <p:cNvPicPr>
+            <a:picLocks noChangeAspect="1"/>
+          </p:cNvPicPr>
+          <p:nvPr/>
+        </p:nvPicPr>
+        <p:blipFill>
+          <a:blip r:embed="rId3">
+            <a:extLst>
+              <a:ext uri="{28A0092B-C50C-407E-A947-70E740481C1C}">
+                <a14:useLocalDpi xmlns:a14="http://schemas.microsoft.com/office/drawing/2010/main" val="0"/>
+              </a:ext>
+            </a:extLst>
+          </a:blip>
+          <a:stretch>
+            <a:fillRect/>
+          </a:stretch>
+        </p:blipFill>
+        <p:spPr>
+          <a:xfrm>
+            <a:off x="1066799" y="1803797"/>
+            <a:ext cx="8416835" cy="1449977"/>
+          </a:xfrm>
+          <a:prstGeom prst="rect">
+            <a:avLst/>
+          </a:prstGeom>
+        </p:spPr>
+      </p:pic>
+      <p:sp>
+        <p:nvSpPr>
+          <p:cNvPr id="12" name="Rectangle 11"/>
+          <p:cNvSpPr/>
+          <p:nvPr/>
+        </p:nvSpPr>
+        <p:spPr>
+          <a:xfrm>
+            <a:off x="7389224" y="2624512"/>
+            <a:ext cx="509452" cy="378823"/>
+          </a:xfrm>
+          <a:prstGeom prst="rect">
+            <a:avLst/>
+          </a:prstGeom>
+          <a:noFill/>
+          <a:ln>
+            <a:solidFill>
+              <a:srgbClr val="FF0000"/>
+            </a:solidFill>
+          </a:ln>
+        </p:spPr>
+        <p:style>
+          <a:lnRef idx="2">
+            <a:schemeClr val="accent1">
+              <a:shade val="50000"/>
+            </a:schemeClr>
+          </a:lnRef>
+          <a:fillRef idx="1">
+            <a:schemeClr val="accent1"/>
+          </a:fillRef>
+          <a:effectRef idx="0">
+            <a:schemeClr val="accent1"/>
+          </a:effectRef>
+          <a:fontRef idx="minor">
+            <a:schemeClr val="lt1"/>
+          </a:fontRef>
+        </p:style>
+        <p:txBody>
+          <a:bodyPr rtlCol="0" anchor="ctr"/>
+          <a:lstStyle/>
+          <a:p>
+            <a:pPr algn="ctr"/>
+            <a:endParaRPr lang="en-US"/>
+          </a:p>
+        </p:txBody>
+      </p:sp>
+      <p:cxnSp>
+        <p:nvCxnSpPr>
+          <p:cNvPr id="18" name="Straight Arrow Connector 17"/>
+          <p:cNvCxnSpPr/>
+          <p:nvPr/>
+        </p:nvCxnSpPr>
+        <p:spPr>
+          <a:xfrm flipH="1" flipV="1">
+            <a:off x="8014063" y="2994814"/>
+            <a:ext cx="1724297" cy="222068"/>
+          </a:xfrm>
+          <a:prstGeom prst="straightConnector1">
+            <a:avLst/>
+          </a:prstGeom>
+          <a:ln>
+            <a:solidFill>
+              <a:srgbClr val="FF0000"/>
+            </a:solidFill>
+            <a:tailEnd type="triangle"/>
+          </a:ln>
+        </p:spPr>
+        <p:style>
+          <a:lnRef idx="1">
+            <a:schemeClr val="accent1"/>
+          </a:lnRef>
+          <a:fillRef idx="0">
+            <a:schemeClr val="accent1"/>
+          </a:fillRef>
+          <a:effectRef idx="0">
+            <a:schemeClr val="accent1"/>
+          </a:effectRef>
+          <a:fontRef idx="minor">
+            <a:schemeClr val="tx1"/>
+          </a:fontRef>
+        </p:style>
+      </p:cxnSp>
+      <p:pic>
+        <p:nvPicPr>
+          <p:cNvPr id="19" name="Picture 18"/>
+          <p:cNvPicPr>
+            <a:picLocks noChangeAspect="1"/>
+          </p:cNvPicPr>
+          <p:nvPr/>
+        </p:nvPicPr>
+        <p:blipFill>
+          <a:blip r:embed="rId4">
+            <a:extLst>
+              <a:ext uri="{28A0092B-C50C-407E-A947-70E740481C1C}">
+                <a14:useLocalDpi xmlns:a14="http://schemas.microsoft.com/office/drawing/2010/main" val="0"/>
+              </a:ext>
+            </a:extLst>
+          </a:blip>
+          <a:stretch>
+            <a:fillRect/>
+          </a:stretch>
+        </p:blipFill>
+        <p:spPr>
+          <a:xfrm>
+            <a:off x="2083588" y="3385397"/>
+            <a:ext cx="6119886" cy="3159094"/>
+          </a:xfrm>
+          <a:prstGeom prst="rect">
+            <a:avLst/>
+          </a:prstGeom>
+        </p:spPr>
+      </p:pic>
     </p:spTree>
     <p:extLst>
       <p:ext uri="{BB962C8B-B14F-4D97-AF65-F5344CB8AC3E}">
         <p14:creationId xmlns:p14="http://schemas.microsoft.com/office/powerpoint/2010/main" val="2024631523"/>
+      </p:ext>
+    </p:extLst>
+  </p:cSld>
+  <p:clrMapOvr>
+    <a:masterClrMapping/>
+  </p:clrMapOvr>
+  <p:timing>
+    <p:tnLst>
+      <p:par>
+        <p:cTn id="1" dur="indefinite" restart="never" nodeType="tmRoot"/>
+      </p:par>
+    </p:tnLst>
+  </p:timing>
+</p:sld>
+</file>
+
+<file path=ppt/slides/slide15.xml><?xml version="1.0" encoding="utf-8"?>
+<p:sld xmlns:a="http://schemas.openxmlformats.org/drawingml/2006/main" xmlns:r="http://schemas.openxmlformats.org/officeDocument/2006/relationships" xmlns:p="http://schemas.openxmlformats.org/presentationml/2006/main">
+  <p:cSld>
+    <p:spTree>
+      <p:nvGrpSpPr>
+        <p:cNvPr id="1" name=""/>
+        <p:cNvGrpSpPr/>
+        <p:nvPr/>
+      </p:nvGrpSpPr>
+      <p:grpSpPr>
+        <a:xfrm>
+          <a:off x="0" y="0"/>
+          <a:ext cx="0" cy="0"/>
+          <a:chOff x="0" y="0"/>
+          <a:chExt cx="0" cy="0"/>
+        </a:xfrm>
+      </p:grpSpPr>
+      <p:sp>
+        <p:nvSpPr>
+          <p:cNvPr id="2" name="Title 1"/>
+          <p:cNvSpPr>
+            <a:spLocks noGrp="1"/>
+          </p:cNvSpPr>
+          <p:nvPr>
+            <p:ph type="ctrTitle"/>
+          </p:nvPr>
+        </p:nvSpPr>
+        <p:spPr>
+          <a:xfrm>
+            <a:off x="1066799" y="491414"/>
+            <a:ext cx="9144000" cy="971626"/>
+          </a:xfrm>
+        </p:spPr>
+        <p:txBody>
+          <a:bodyPr>
+            <a:normAutofit fontScale="90000"/>
+          </a:bodyPr>
+          <a:lstStyle/>
+          <a:p>
+            <a:pPr algn="l"/>
+            <a:r>
+              <a:rPr lang="en-US" sz="4000" b="1" dirty="0" smtClean="0"/>
+              <a:t>2.2 Finalizing </a:t>
+            </a:r>
+            <a:r>
+              <a:rPr lang="en-US" sz="4000" b="1" dirty="0"/>
+              <a:t>Your Order: From Cart to Checkout</a:t>
+            </a:r>
+            <a:endParaRPr lang="en-US" sz="4000" b="1" dirty="0"/>
+          </a:p>
+        </p:txBody>
+      </p:sp>
+      <p:sp>
+        <p:nvSpPr>
+          <p:cNvPr id="3" name="Subtitle 2"/>
+          <p:cNvSpPr>
+            <a:spLocks noGrp="1"/>
+          </p:cNvSpPr>
+          <p:nvPr>
+            <p:ph type="subTitle" idx="1"/>
+          </p:nvPr>
+        </p:nvSpPr>
+        <p:spPr>
+          <a:xfrm>
+            <a:off x="143690" y="1463039"/>
+            <a:ext cx="11941627" cy="5251269"/>
+          </a:xfrm>
+        </p:spPr>
+        <p:txBody>
+          <a:bodyPr>
+            <a:noAutofit/>
+          </a:bodyPr>
+          <a:lstStyle/>
+          <a:p>
+            <a:pPr algn="just"/>
+            <a:r>
+              <a:rPr lang="en-US" sz="2000" dirty="0"/>
+              <a:t>Ready to seal the deal on your new phone? Here's how to breeze through the checkout process:</a:t>
+            </a:r>
+          </a:p>
+          <a:p>
+            <a:pPr algn="just"/>
+            <a:r>
+              <a:rPr lang="en-US" sz="2000" b="1" dirty="0">
+                <a:solidFill>
+                  <a:srgbClr val="FF0000"/>
+                </a:solidFill>
+              </a:rPr>
+              <a:t>Locate Your Cart</a:t>
+            </a:r>
+            <a:r>
+              <a:rPr lang="en-US" sz="2000" dirty="0"/>
+              <a:t>: Find the cart icon in the top-right corner of any page. It's your treasure chest of selected items!</a:t>
+            </a:r>
+          </a:p>
+          <a:p>
+            <a:pPr algn="just"/>
+            <a:r>
+              <a:rPr lang="en-US" sz="2000" b="1" dirty="0">
+                <a:solidFill>
+                  <a:srgbClr val="FF0000"/>
+                </a:solidFill>
+              </a:rPr>
+              <a:t>Review Your Selections</a:t>
+            </a:r>
+            <a:r>
+              <a:rPr lang="en-US" sz="2000" dirty="0"/>
+              <a:t>: Click the cart icon to be whisked away to </a:t>
+            </a:r>
+            <a:r>
+              <a:rPr lang="en-US" sz="2000" dirty="0">
+                <a:hlinkClick r:id="rId2"/>
+              </a:rPr>
+              <a:t>https://everestphones.com/cart</a:t>
+            </a:r>
+            <a:endParaRPr lang="en-US" sz="2000" dirty="0"/>
+          </a:p>
+          <a:p>
+            <a:pPr algn="just"/>
+            <a:r>
+              <a:rPr lang="en-US" sz="2000" b="1" dirty="0" smtClean="0">
+                <a:solidFill>
+                  <a:srgbClr val="FF0000"/>
+                </a:solidFill>
+              </a:rPr>
+              <a:t>Fine-tune Your Order</a:t>
+            </a:r>
+            <a:r>
+              <a:rPr lang="en-US" sz="2000" dirty="0" smtClean="0"/>
+              <a:t>: </a:t>
+            </a:r>
+            <a:r>
+              <a:rPr lang="en-US" sz="2000" dirty="0"/>
+              <a:t>• Remove items: Spot a change of heart? Click the 'X' icon next to any item to remove it. • </a:t>
+            </a:r>
+            <a:r>
+              <a:rPr lang="en-US" sz="2000" b="1" dirty="0" smtClean="0">
+                <a:solidFill>
+                  <a:srgbClr val="FF0000"/>
+                </a:solidFill>
+              </a:rPr>
+              <a:t>Adjust </a:t>
+            </a:r>
+            <a:r>
+              <a:rPr lang="en-US" sz="2000" b="1" dirty="0">
+                <a:solidFill>
+                  <a:srgbClr val="FF0000"/>
+                </a:solidFill>
+              </a:rPr>
+              <a:t>quantities</a:t>
+            </a:r>
+            <a:r>
+              <a:rPr lang="en-US" sz="2000" dirty="0"/>
+              <a:t>: Use the quantity controls to get exactly what you need.</a:t>
+            </a:r>
+          </a:p>
+          <a:p>
+            <a:pPr algn="just"/>
+            <a:r>
+              <a:rPr lang="en-US" sz="2000" b="1" dirty="0">
+                <a:solidFill>
+                  <a:srgbClr val="FF0000"/>
+                </a:solidFill>
+              </a:rPr>
+              <a:t>Ready, Set, Purchase</a:t>
+            </a:r>
+            <a:r>
+              <a:rPr lang="en-US" sz="2000" dirty="0"/>
+              <a:t>: When you're satisfied with your selections, hit the "Checkout" button to proceed.</a:t>
+            </a:r>
+          </a:p>
+          <a:p>
+            <a:pPr algn="just"/>
+            <a:r>
+              <a:rPr lang="en-US" sz="2000" b="1" dirty="0">
+                <a:solidFill>
+                  <a:srgbClr val="FFC000"/>
+                </a:solidFill>
+              </a:rPr>
+              <a:t>Pro Tip</a:t>
+            </a:r>
+            <a:r>
+              <a:rPr lang="en-US" sz="2000" dirty="0"/>
+              <a:t>: Double-check your cart before checking out. It's the perfect moment to ensure you're getting everything you want (and nothing you don't)!</a:t>
+            </a:r>
+          </a:p>
+          <a:p>
+            <a:pPr algn="just"/>
+            <a:endParaRPr lang="en-US" sz="2200" dirty="0"/>
+          </a:p>
+        </p:txBody>
+      </p:sp>
+      <p:pic>
+        <p:nvPicPr>
+          <p:cNvPr id="4" name="Picture 3"/>
+          <p:cNvPicPr>
+            <a:picLocks noChangeAspect="1"/>
+          </p:cNvPicPr>
+          <p:nvPr/>
+        </p:nvPicPr>
+        <p:blipFill>
+          <a:blip r:embed="rId3" cstate="print">
+            <a:extLst>
+              <a:ext uri="{28A0092B-C50C-407E-A947-70E740481C1C}">
+                <a14:useLocalDpi xmlns:a14="http://schemas.microsoft.com/office/drawing/2010/main" val="0"/>
+              </a:ext>
+            </a:extLst>
+          </a:blip>
+          <a:stretch>
+            <a:fillRect/>
+          </a:stretch>
+        </p:blipFill>
+        <p:spPr>
+          <a:xfrm>
+            <a:off x="8858793" y="50696"/>
+            <a:ext cx="3226525" cy="573210"/>
+          </a:xfrm>
+          <a:prstGeom prst="rect">
+            <a:avLst/>
+          </a:prstGeom>
+        </p:spPr>
+      </p:pic>
+      <p:cxnSp>
+        <p:nvCxnSpPr>
+          <p:cNvPr id="8" name="Straight Connector 7"/>
+          <p:cNvCxnSpPr/>
+          <p:nvPr/>
+        </p:nvCxnSpPr>
+        <p:spPr>
+          <a:xfrm>
+            <a:off x="0" y="862149"/>
+            <a:ext cx="12192000" cy="0"/>
+          </a:xfrm>
+          <a:prstGeom prst="line">
+            <a:avLst/>
+          </a:prstGeom>
+        </p:spPr>
+        <p:style>
+          <a:lnRef idx="3">
+            <a:schemeClr val="dk1"/>
+          </a:lnRef>
+          <a:fillRef idx="0">
+            <a:schemeClr val="dk1"/>
+          </a:fillRef>
+          <a:effectRef idx="2">
+            <a:schemeClr val="dk1"/>
+          </a:effectRef>
+          <a:fontRef idx="minor">
+            <a:schemeClr val="tx1"/>
+          </a:fontRef>
+        </p:style>
+      </p:cxnSp>
+    </p:spTree>
+    <p:extLst>
+      <p:ext uri="{BB962C8B-B14F-4D97-AF65-F5344CB8AC3E}">
+        <p14:creationId xmlns:p14="http://schemas.microsoft.com/office/powerpoint/2010/main" val="3369795238"/>
       </p:ext>
     </p:extLst>
   </p:cSld>

--- a/EVEREST PHONES.pptx
+++ b/EVEREST PHONES.pptx
@@ -20,6 +20,15 @@
     <p:sldId id="269" r:id="rId14"/>
     <p:sldId id="270" r:id="rId15"/>
     <p:sldId id="271" r:id="rId16"/>
+    <p:sldId id="273" r:id="rId17"/>
+    <p:sldId id="274" r:id="rId18"/>
+    <p:sldId id="275" r:id="rId19"/>
+    <p:sldId id="276" r:id="rId20"/>
+    <p:sldId id="277" r:id="rId21"/>
+    <p:sldId id="280" r:id="rId22"/>
+    <p:sldId id="278" r:id="rId23"/>
+    <p:sldId id="281" r:id="rId24"/>
+    <p:sldId id="279" r:id="rId25"/>
   </p:sldIdLst>
   <p:sldSz cx="12192000" cy="6858000"/>
   <p:notesSz cx="6858000" cy="9144000"/>
@@ -138,6 +147,15 @@
             <p14:sldId id="269"/>
             <p14:sldId id="270"/>
             <p14:sldId id="271"/>
+            <p14:sldId id="273"/>
+            <p14:sldId id="274"/>
+            <p14:sldId id="275"/>
+            <p14:sldId id="276"/>
+            <p14:sldId id="277"/>
+            <p14:sldId id="280"/>
+            <p14:sldId id="278"/>
+            <p14:sldId id="281"/>
+            <p14:sldId id="279"/>
           </p14:sldIdLst>
         </p14:section>
       </p14:sectionLst>
@@ -280,7 +298,7 @@
           <a:p>
             <a:fld id="{7312517A-3F6F-449B-80CF-BC9EF307FF21}" type="datetimeFigureOut">
               <a:rPr lang="en-US" smtClean="0"/>
-              <a:t>9/9/2024</a:t>
+              <a:t>9/12/2024</a:t>
             </a:fld>
             <a:endParaRPr lang="en-US"/>
           </a:p>
@@ -450,7 +468,7 @@
           <a:p>
             <a:fld id="{7312517A-3F6F-449B-80CF-BC9EF307FF21}" type="datetimeFigureOut">
               <a:rPr lang="en-US" smtClean="0"/>
-              <a:t>9/9/2024</a:t>
+              <a:t>9/12/2024</a:t>
             </a:fld>
             <a:endParaRPr lang="en-US"/>
           </a:p>
@@ -630,7 +648,7 @@
           <a:p>
             <a:fld id="{7312517A-3F6F-449B-80CF-BC9EF307FF21}" type="datetimeFigureOut">
               <a:rPr lang="en-US" smtClean="0"/>
-              <a:t>9/9/2024</a:t>
+              <a:t>9/12/2024</a:t>
             </a:fld>
             <a:endParaRPr lang="en-US"/>
           </a:p>
@@ -800,7 +818,7 @@
           <a:p>
             <a:fld id="{7312517A-3F6F-449B-80CF-BC9EF307FF21}" type="datetimeFigureOut">
               <a:rPr lang="en-US" smtClean="0"/>
-              <a:t>9/9/2024</a:t>
+              <a:t>9/12/2024</a:t>
             </a:fld>
             <a:endParaRPr lang="en-US"/>
           </a:p>
@@ -1046,7 +1064,7 @@
           <a:p>
             <a:fld id="{7312517A-3F6F-449B-80CF-BC9EF307FF21}" type="datetimeFigureOut">
               <a:rPr lang="en-US" smtClean="0"/>
-              <a:t>9/9/2024</a:t>
+              <a:t>9/12/2024</a:t>
             </a:fld>
             <a:endParaRPr lang="en-US"/>
           </a:p>
@@ -1278,7 +1296,7 @@
           <a:p>
             <a:fld id="{7312517A-3F6F-449B-80CF-BC9EF307FF21}" type="datetimeFigureOut">
               <a:rPr lang="en-US" smtClean="0"/>
-              <a:t>9/9/2024</a:t>
+              <a:t>9/12/2024</a:t>
             </a:fld>
             <a:endParaRPr lang="en-US"/>
           </a:p>
@@ -1645,7 +1663,7 @@
           <a:p>
             <a:fld id="{7312517A-3F6F-449B-80CF-BC9EF307FF21}" type="datetimeFigureOut">
               <a:rPr lang="en-US" smtClean="0"/>
-              <a:t>9/9/2024</a:t>
+              <a:t>9/12/2024</a:t>
             </a:fld>
             <a:endParaRPr lang="en-US"/>
           </a:p>
@@ -1763,7 +1781,7 @@
           <a:p>
             <a:fld id="{7312517A-3F6F-449B-80CF-BC9EF307FF21}" type="datetimeFigureOut">
               <a:rPr lang="en-US" smtClean="0"/>
-              <a:t>9/9/2024</a:t>
+              <a:t>9/12/2024</a:t>
             </a:fld>
             <a:endParaRPr lang="en-US"/>
           </a:p>
@@ -1858,7 +1876,7 @@
           <a:p>
             <a:fld id="{7312517A-3F6F-449B-80CF-BC9EF307FF21}" type="datetimeFigureOut">
               <a:rPr lang="en-US" smtClean="0"/>
-              <a:t>9/9/2024</a:t>
+              <a:t>9/12/2024</a:t>
             </a:fld>
             <a:endParaRPr lang="en-US"/>
           </a:p>
@@ -2135,7 +2153,7 @@
           <a:p>
             <a:fld id="{7312517A-3F6F-449B-80CF-BC9EF307FF21}" type="datetimeFigureOut">
               <a:rPr lang="en-US" smtClean="0"/>
-              <a:t>9/9/2024</a:t>
+              <a:t>9/12/2024</a:t>
             </a:fld>
             <a:endParaRPr lang="en-US"/>
           </a:p>
@@ -2388,7 +2406,7 @@
           <a:p>
             <a:fld id="{7312517A-3F6F-449B-80CF-BC9EF307FF21}" type="datetimeFigureOut">
               <a:rPr lang="en-US" smtClean="0"/>
-              <a:t>9/9/2024</a:t>
+              <a:t>9/12/2024</a:t>
             </a:fld>
             <a:endParaRPr lang="en-US"/>
           </a:p>
@@ -2601,7 +2619,7 @@
           <a:p>
             <a:fld id="{7312517A-3F6F-449B-80CF-BC9EF307FF21}" type="datetimeFigureOut">
               <a:rPr lang="en-US" smtClean="0"/>
-              <a:t>9/9/2024</a:t>
+              <a:t>9/12/2024</a:t>
             </a:fld>
             <a:endParaRPr lang="en-US"/>
           </a:p>
@@ -3982,7 +4000,6 @@
               <a:rPr lang="en-US" sz="4000" b="1" dirty="0"/>
               <a:t>Shipping phones from Everest Phones</a:t>
             </a:r>
-            <a:endParaRPr lang="en-US" sz="4000" b="1" dirty="0"/>
           </a:p>
         </p:txBody>
       </p:sp>
@@ -4033,8 +4050,13 @@
             </a:r>
             <a:r>
               <a:rPr lang="en-US" sz="2200" dirty="0"/>
-              <a:t>" button on any product page.</a:t>
-            </a:r>
+              <a:t>" button on any </a:t>
+            </a:r>
+            <a:r>
+              <a:rPr lang="en-US" sz="2200" dirty="0" smtClean="0"/>
+              <a:t>products.</a:t>
+            </a:r>
+            <a:endParaRPr lang="en-US" sz="2200" dirty="0"/>
           </a:p>
           <a:p>
             <a:pPr marL="342900" indent="-342900" algn="just">
@@ -4346,7 +4368,7 @@
         </p:blipFill>
         <p:spPr>
           <a:xfrm>
-            <a:off x="1066799" y="1803797"/>
+            <a:off x="1066799" y="1821274"/>
             <a:ext cx="8416835" cy="1449977"/>
           </a:xfrm>
           <a:prstGeom prst="rect">
@@ -4362,7 +4384,7 @@
         </p:nvSpPr>
         <p:spPr>
           <a:xfrm>
-            <a:off x="7389224" y="2624512"/>
+            <a:off x="7415350" y="2706129"/>
             <a:ext cx="509452" cy="378823"/>
           </a:xfrm>
           <a:prstGeom prst="rect">
@@ -4408,8 +4430,8 @@
         </p:nvCxnSpPr>
         <p:spPr>
           <a:xfrm flipH="1" flipV="1">
-            <a:off x="8014063" y="2994814"/>
-            <a:ext cx="1724297" cy="222068"/>
+            <a:off x="8030390" y="3154401"/>
+            <a:ext cx="1486989" cy="950168"/>
           </a:xfrm>
           <a:prstGeom prst="straightConnector1">
             <a:avLst/>
@@ -4534,7 +4556,6 @@
               <a:rPr lang="en-US" sz="4000" b="1" dirty="0"/>
               <a:t>Your Order: From Cart to Checkout</a:t>
             </a:r>
-            <a:endParaRPr lang="en-US" sz="4000" b="1" dirty="0"/>
           </a:p>
         </p:txBody>
       </p:sp>
@@ -4619,8 +4640,12 @@
             </a:r>
             <a:r>
               <a:rPr lang="en-US" sz="2000" dirty="0"/>
-              <a:t>• Remove items: Spot a change of heart? Click the 'X' icon next to any item to remove it. • </a:t>
-            </a:r>
+              <a:t>• Remove items: Spot a change of heart? Click the 'X' icon next to any item to remove it. </a:t>
+            </a:r>
+            <a:endParaRPr lang="en-US" sz="2000" dirty="0" smtClean="0"/>
+          </a:p>
+          <a:p>
+            <a:pPr algn="just"/>
             <a:r>
               <a:rPr lang="en-US" sz="2000" b="1" dirty="0" smtClean="0">
                 <a:solidFill>
@@ -4674,7 +4699,7 @@
           </a:p>
           <a:p>
             <a:pPr algn="just"/>
-            <a:endParaRPr lang="en-US" sz="2200" dirty="0"/>
+            <a:endParaRPr lang="en-US" sz="2000" dirty="0"/>
           </a:p>
         </p:txBody>
       </p:sp>
@@ -4758,6 +4783,1081 @@
 </p:sld>
 </file>
 
+<file path=ppt/slides/slide16.xml><?xml version="1.0" encoding="utf-8"?>
+<p:sld xmlns:a="http://schemas.openxmlformats.org/drawingml/2006/main" xmlns:r="http://schemas.openxmlformats.org/officeDocument/2006/relationships" xmlns:p="http://schemas.openxmlformats.org/presentationml/2006/main">
+  <p:cSld>
+    <p:spTree>
+      <p:nvGrpSpPr>
+        <p:cNvPr id="1" name=""/>
+        <p:cNvGrpSpPr/>
+        <p:nvPr/>
+      </p:nvGrpSpPr>
+      <p:grpSpPr>
+        <a:xfrm>
+          <a:off x="0" y="0"/>
+          <a:ext cx="0" cy="0"/>
+          <a:chOff x="0" y="0"/>
+          <a:chExt cx="0" cy="0"/>
+        </a:xfrm>
+      </p:grpSpPr>
+      <p:sp>
+        <p:nvSpPr>
+          <p:cNvPr id="2" name="Title 1"/>
+          <p:cNvSpPr>
+            <a:spLocks noGrp="1"/>
+          </p:cNvSpPr>
+          <p:nvPr>
+            <p:ph type="ctrTitle"/>
+          </p:nvPr>
+        </p:nvSpPr>
+        <p:spPr>
+          <a:xfrm>
+            <a:off x="1066799" y="491414"/>
+            <a:ext cx="9144000" cy="971626"/>
+          </a:xfrm>
+        </p:spPr>
+        <p:txBody>
+          <a:bodyPr>
+            <a:normAutofit/>
+          </a:bodyPr>
+          <a:lstStyle/>
+          <a:p>
+            <a:pPr algn="l"/>
+            <a:r>
+              <a:rPr lang="en-US" sz="4000" b="1" dirty="0" smtClean="0"/>
+              <a:t>2.2.1 Screenshot of cart page</a:t>
+            </a:r>
+            <a:endParaRPr lang="en-US" sz="4000" b="1" dirty="0"/>
+          </a:p>
+        </p:txBody>
+      </p:sp>
+      <p:sp>
+        <p:nvSpPr>
+          <p:cNvPr id="3" name="Subtitle 2"/>
+          <p:cNvSpPr>
+            <a:spLocks noGrp="1"/>
+          </p:cNvSpPr>
+          <p:nvPr>
+            <p:ph type="subTitle" idx="1"/>
+          </p:nvPr>
+        </p:nvSpPr>
+        <p:spPr>
+          <a:xfrm>
+            <a:off x="143690" y="1463039"/>
+            <a:ext cx="11941627" cy="5251269"/>
+          </a:xfrm>
+        </p:spPr>
+        <p:txBody>
+          <a:bodyPr>
+            <a:noAutofit/>
+          </a:bodyPr>
+          <a:lstStyle/>
+          <a:p>
+            <a:pPr algn="just"/>
+            <a:r>
+              <a:rPr lang="en-US" sz="2000" dirty="0" smtClean="0"/>
+              <a:t> </a:t>
+            </a:r>
+            <a:endParaRPr lang="en-US" sz="2000" dirty="0"/>
+          </a:p>
+        </p:txBody>
+      </p:sp>
+      <p:pic>
+        <p:nvPicPr>
+          <p:cNvPr id="4" name="Picture 3"/>
+          <p:cNvPicPr>
+            <a:picLocks noChangeAspect="1"/>
+          </p:cNvPicPr>
+          <p:nvPr/>
+        </p:nvPicPr>
+        <p:blipFill>
+          <a:blip r:embed="rId2" cstate="print">
+            <a:extLst>
+              <a:ext uri="{28A0092B-C50C-407E-A947-70E740481C1C}">
+                <a14:useLocalDpi xmlns:a14="http://schemas.microsoft.com/office/drawing/2010/main" val="0"/>
+              </a:ext>
+            </a:extLst>
+          </a:blip>
+          <a:stretch>
+            <a:fillRect/>
+          </a:stretch>
+        </p:blipFill>
+        <p:spPr>
+          <a:xfrm>
+            <a:off x="8858793" y="50696"/>
+            <a:ext cx="3226525" cy="573210"/>
+          </a:xfrm>
+          <a:prstGeom prst="rect">
+            <a:avLst/>
+          </a:prstGeom>
+        </p:spPr>
+      </p:pic>
+      <p:cxnSp>
+        <p:nvCxnSpPr>
+          <p:cNvPr id="8" name="Straight Connector 7"/>
+          <p:cNvCxnSpPr/>
+          <p:nvPr/>
+        </p:nvCxnSpPr>
+        <p:spPr>
+          <a:xfrm>
+            <a:off x="0" y="862149"/>
+            <a:ext cx="12192000" cy="0"/>
+          </a:xfrm>
+          <a:prstGeom prst="line">
+            <a:avLst/>
+          </a:prstGeom>
+        </p:spPr>
+        <p:style>
+          <a:lnRef idx="3">
+            <a:schemeClr val="dk1"/>
+          </a:lnRef>
+          <a:fillRef idx="0">
+            <a:schemeClr val="dk1"/>
+          </a:fillRef>
+          <a:effectRef idx="2">
+            <a:schemeClr val="dk1"/>
+          </a:effectRef>
+          <a:fontRef idx="minor">
+            <a:schemeClr val="tx1"/>
+          </a:fontRef>
+        </p:style>
+      </p:cxnSp>
+      <p:pic>
+        <p:nvPicPr>
+          <p:cNvPr id="7" name="Picture 6"/>
+          <p:cNvPicPr>
+            <a:picLocks noChangeAspect="1"/>
+          </p:cNvPicPr>
+          <p:nvPr/>
+        </p:nvPicPr>
+        <p:blipFill>
+          <a:blip r:embed="rId3">
+            <a:extLst>
+              <a:ext uri="{28A0092B-C50C-407E-A947-70E740481C1C}">
+                <a14:useLocalDpi xmlns:a14="http://schemas.microsoft.com/office/drawing/2010/main" val="0"/>
+              </a:ext>
+            </a:extLst>
+          </a:blip>
+          <a:stretch>
+            <a:fillRect/>
+          </a:stretch>
+        </p:blipFill>
+        <p:spPr>
+          <a:xfrm>
+            <a:off x="635725" y="1833775"/>
+            <a:ext cx="10533017" cy="4297682"/>
+          </a:xfrm>
+          <a:prstGeom prst="rect">
+            <a:avLst/>
+          </a:prstGeom>
+        </p:spPr>
+      </p:pic>
+    </p:spTree>
+    <p:extLst>
+      <p:ext uri="{BB962C8B-B14F-4D97-AF65-F5344CB8AC3E}">
+        <p14:creationId xmlns:p14="http://schemas.microsoft.com/office/powerpoint/2010/main" val="2583687699"/>
+      </p:ext>
+    </p:extLst>
+  </p:cSld>
+  <p:clrMapOvr>
+    <a:masterClrMapping/>
+  </p:clrMapOvr>
+  <p:timing>
+    <p:tnLst>
+      <p:par>
+        <p:cTn id="1" dur="indefinite" restart="never" nodeType="tmRoot"/>
+      </p:par>
+    </p:tnLst>
+  </p:timing>
+</p:sld>
+</file>
+
+<file path=ppt/slides/slide17.xml><?xml version="1.0" encoding="utf-8"?>
+<p:sld xmlns:a="http://schemas.openxmlformats.org/drawingml/2006/main" xmlns:r="http://schemas.openxmlformats.org/officeDocument/2006/relationships" xmlns:p="http://schemas.openxmlformats.org/presentationml/2006/main">
+  <p:cSld>
+    <p:spTree>
+      <p:nvGrpSpPr>
+        <p:cNvPr id="1" name=""/>
+        <p:cNvGrpSpPr/>
+        <p:nvPr/>
+      </p:nvGrpSpPr>
+      <p:grpSpPr>
+        <a:xfrm>
+          <a:off x="0" y="0"/>
+          <a:ext cx="0" cy="0"/>
+          <a:chOff x="0" y="0"/>
+          <a:chExt cx="0" cy="0"/>
+        </a:xfrm>
+      </p:grpSpPr>
+      <p:sp>
+        <p:nvSpPr>
+          <p:cNvPr id="2" name="Title 1"/>
+          <p:cNvSpPr>
+            <a:spLocks noGrp="1"/>
+          </p:cNvSpPr>
+          <p:nvPr>
+            <p:ph type="ctrTitle"/>
+          </p:nvPr>
+        </p:nvSpPr>
+        <p:spPr>
+          <a:xfrm>
+            <a:off x="971006" y="875211"/>
+            <a:ext cx="10249988" cy="1005840"/>
+          </a:xfrm>
+        </p:spPr>
+        <p:txBody>
+          <a:bodyPr>
+            <a:normAutofit fontScale="90000"/>
+          </a:bodyPr>
+          <a:lstStyle/>
+          <a:p>
+            <a:pPr algn="l"/>
+            <a:r>
+              <a:rPr lang="en-US" sz="4000" b="1" dirty="0" smtClean="0"/>
+              <a:t>2.2.1 </a:t>
+            </a:r>
+            <a:r>
+              <a:rPr lang="en-US" sz="4000" b="1" dirty="0" smtClean="0"/>
+              <a:t>Navigating </a:t>
+            </a:r>
+            <a:r>
+              <a:rPr lang="en-US" sz="4000" b="1" dirty="0"/>
+              <a:t>the Shipping Section: Completing Your Checkout Process</a:t>
+            </a:r>
+            <a:endParaRPr lang="en-US" sz="4000" b="1" dirty="0"/>
+          </a:p>
+        </p:txBody>
+      </p:sp>
+      <p:sp>
+        <p:nvSpPr>
+          <p:cNvPr id="3" name="Subtitle 2"/>
+          <p:cNvSpPr>
+            <a:spLocks noGrp="1"/>
+          </p:cNvSpPr>
+          <p:nvPr>
+            <p:ph type="subTitle" idx="1"/>
+          </p:nvPr>
+        </p:nvSpPr>
+        <p:spPr>
+          <a:xfrm>
+            <a:off x="143690" y="2132356"/>
+            <a:ext cx="11941627" cy="4581952"/>
+          </a:xfrm>
+        </p:spPr>
+        <p:txBody>
+          <a:bodyPr>
+            <a:noAutofit/>
+          </a:bodyPr>
+          <a:lstStyle/>
+          <a:p>
+            <a:pPr algn="just"/>
+            <a:r>
+              <a:rPr lang="en-US" sz="2000" dirty="0"/>
+              <a:t>Once you click the "</a:t>
+            </a:r>
+            <a:r>
+              <a:rPr lang="en-US" sz="2000" b="1" dirty="0"/>
+              <a:t>Checkout</a:t>
+            </a:r>
+            <a:r>
+              <a:rPr lang="en-US" sz="2000" dirty="0"/>
+              <a:t>" button, you will be redirected to the </a:t>
+            </a:r>
+            <a:r>
+              <a:rPr lang="en-US" sz="2000" b="1" dirty="0"/>
+              <a:t>Shipping Address</a:t>
+            </a:r>
+            <a:r>
+              <a:rPr lang="en-US" sz="2000" dirty="0"/>
+              <a:t> section at </a:t>
+            </a:r>
+            <a:r>
+              <a:rPr lang="en-US" sz="2000" dirty="0">
+                <a:hlinkClick r:id="rId2"/>
+              </a:rPr>
+              <a:t>Everest Phones Shipping</a:t>
+            </a:r>
+            <a:r>
+              <a:rPr lang="en-US" sz="2000" dirty="0"/>
+              <a:t>.</a:t>
+            </a:r>
+            <a:endParaRPr lang="en-US" sz="2000" dirty="0" smtClean="0"/>
+          </a:p>
+          <a:p>
+            <a:pPr algn="just"/>
+            <a:r>
+              <a:rPr lang="en-US" sz="2000" dirty="0" smtClean="0"/>
+              <a:t> I. </a:t>
+            </a:r>
+            <a:r>
+              <a:rPr lang="en-US" sz="2000" b="1" dirty="0" smtClean="0"/>
+              <a:t>Business </a:t>
+            </a:r>
+            <a:r>
+              <a:rPr lang="en-US" sz="2000" b="1" dirty="0"/>
+              <a:t>Address Information</a:t>
+            </a:r>
+            <a:r>
+              <a:rPr lang="en-US" sz="2000" dirty="0"/>
+              <a:t>:</a:t>
+            </a:r>
+          </a:p>
+          <a:p>
+            <a:pPr algn="just"/>
+            <a:r>
+              <a:rPr lang="en-US" sz="2000" dirty="0"/>
+              <a:t>If your shipping address is the same as your business address, you can easily select the </a:t>
+            </a:r>
+            <a:r>
+              <a:rPr lang="en-US" sz="2000" b="1" dirty="0"/>
+              <a:t>checkbox "Use business address"</a:t>
+            </a:r>
+            <a:r>
+              <a:rPr lang="en-US" sz="2000" dirty="0"/>
+              <a:t> to auto-fill the details.</a:t>
+            </a:r>
+          </a:p>
+          <a:p>
+            <a:pPr algn="just"/>
+            <a:r>
+              <a:rPr lang="en-US" sz="2000" dirty="0"/>
+              <a:t>Ensure that the </a:t>
+            </a:r>
+            <a:r>
+              <a:rPr lang="en-US" sz="2000" b="1" dirty="0"/>
+              <a:t>business phone number</a:t>
+            </a:r>
+            <a:r>
+              <a:rPr lang="en-US" sz="2000" dirty="0"/>
+              <a:t> is correct. You can also provide your </a:t>
+            </a:r>
+            <a:r>
+              <a:rPr lang="en-US" sz="2000" b="1" dirty="0"/>
+              <a:t>WhatsApp number</a:t>
+            </a:r>
+            <a:r>
+              <a:rPr lang="en-US" sz="2000" dirty="0"/>
+              <a:t> if desired.</a:t>
+            </a:r>
+          </a:p>
+          <a:p>
+            <a:pPr algn="just"/>
+            <a:r>
+              <a:rPr lang="en-US" sz="2000" b="1" dirty="0" smtClean="0"/>
+              <a:t>II. Filling </a:t>
+            </a:r>
+            <a:r>
+              <a:rPr lang="en-US" sz="2000" b="1" dirty="0"/>
+              <a:t>Out the Shipping Form</a:t>
+            </a:r>
+            <a:r>
+              <a:rPr lang="en-US" sz="2000" dirty="0"/>
+              <a:t>:</a:t>
+            </a:r>
+          </a:p>
+          <a:p>
+            <a:pPr algn="just"/>
+            <a:r>
+              <a:rPr lang="en-US" sz="2000" dirty="0"/>
+              <a:t>Input the necessary fields such as your </a:t>
+            </a:r>
+            <a:r>
+              <a:rPr lang="en-US" sz="2000" dirty="0" smtClean="0"/>
+              <a:t>country which is default United States, </a:t>
+            </a:r>
+            <a:r>
+              <a:rPr lang="en-US" sz="2000" dirty="0"/>
+              <a:t>state/province, city, street name, and postal code to ensure accurate shipping.</a:t>
+            </a:r>
+          </a:p>
+          <a:p>
+            <a:pPr algn="just"/>
+            <a:r>
+              <a:rPr lang="en-US" sz="2000" b="1" dirty="0" smtClean="0"/>
+              <a:t>III. Shipping </a:t>
+            </a:r>
+            <a:r>
+              <a:rPr lang="en-US" sz="2000" b="1" dirty="0"/>
+              <a:t>Method</a:t>
+            </a:r>
+            <a:r>
+              <a:rPr lang="en-US" sz="2000" dirty="0"/>
+              <a:t>:</a:t>
+            </a:r>
+          </a:p>
+          <a:p>
+            <a:pPr algn="just"/>
+            <a:r>
+              <a:rPr lang="en-US" sz="2000" dirty="0"/>
+              <a:t>Select your shipping method based on the options provided, such as </a:t>
+            </a:r>
+            <a:r>
+              <a:rPr lang="en-US" sz="2000" b="1" dirty="0"/>
+              <a:t>Standard (Arrives 3-5 days after shipping</a:t>
+            </a:r>
+            <a:r>
+              <a:rPr lang="en-US" sz="2000" b="1" dirty="0" smtClean="0"/>
+              <a:t>)</a:t>
+            </a:r>
+            <a:r>
+              <a:rPr lang="en-US" sz="2000" dirty="0" smtClean="0"/>
+              <a:t>.</a:t>
+            </a:r>
+            <a:endParaRPr lang="en-US" sz="2000" dirty="0"/>
+          </a:p>
+          <a:p>
+            <a:pPr algn="just"/>
+            <a:endParaRPr lang="en-US" sz="2000" dirty="0"/>
+          </a:p>
+        </p:txBody>
+      </p:sp>
+      <p:pic>
+        <p:nvPicPr>
+          <p:cNvPr id="4" name="Picture 3"/>
+          <p:cNvPicPr>
+            <a:picLocks noChangeAspect="1"/>
+          </p:cNvPicPr>
+          <p:nvPr/>
+        </p:nvPicPr>
+        <p:blipFill>
+          <a:blip r:embed="rId3" cstate="print">
+            <a:extLst>
+              <a:ext uri="{28A0092B-C50C-407E-A947-70E740481C1C}">
+                <a14:useLocalDpi xmlns:a14="http://schemas.microsoft.com/office/drawing/2010/main" val="0"/>
+              </a:ext>
+            </a:extLst>
+          </a:blip>
+          <a:stretch>
+            <a:fillRect/>
+          </a:stretch>
+        </p:blipFill>
+        <p:spPr>
+          <a:xfrm>
+            <a:off x="8858793" y="50696"/>
+            <a:ext cx="3226525" cy="573210"/>
+          </a:xfrm>
+          <a:prstGeom prst="rect">
+            <a:avLst/>
+          </a:prstGeom>
+        </p:spPr>
+      </p:pic>
+      <p:cxnSp>
+        <p:nvCxnSpPr>
+          <p:cNvPr id="8" name="Straight Connector 7"/>
+          <p:cNvCxnSpPr/>
+          <p:nvPr/>
+        </p:nvCxnSpPr>
+        <p:spPr>
+          <a:xfrm>
+            <a:off x="0" y="875211"/>
+            <a:ext cx="12192000" cy="0"/>
+          </a:xfrm>
+          <a:prstGeom prst="line">
+            <a:avLst/>
+          </a:prstGeom>
+        </p:spPr>
+        <p:style>
+          <a:lnRef idx="3">
+            <a:schemeClr val="dk1"/>
+          </a:lnRef>
+          <a:fillRef idx="0">
+            <a:schemeClr val="dk1"/>
+          </a:fillRef>
+          <a:effectRef idx="2">
+            <a:schemeClr val="dk1"/>
+          </a:effectRef>
+          <a:fontRef idx="minor">
+            <a:schemeClr val="tx1"/>
+          </a:fontRef>
+        </p:style>
+      </p:cxnSp>
+    </p:spTree>
+    <p:extLst>
+      <p:ext uri="{BB962C8B-B14F-4D97-AF65-F5344CB8AC3E}">
+        <p14:creationId xmlns:p14="http://schemas.microsoft.com/office/powerpoint/2010/main" val="1633307474"/>
+      </p:ext>
+    </p:extLst>
+  </p:cSld>
+  <p:clrMapOvr>
+    <a:masterClrMapping/>
+  </p:clrMapOvr>
+  <p:timing>
+    <p:tnLst>
+      <p:par>
+        <p:cTn id="1" dur="indefinite" restart="never" nodeType="tmRoot"/>
+      </p:par>
+    </p:tnLst>
+  </p:timing>
+</p:sld>
+</file>
+
+<file path=ppt/slides/slide18.xml><?xml version="1.0" encoding="utf-8"?>
+<p:sld xmlns:a="http://schemas.openxmlformats.org/drawingml/2006/main" xmlns:r="http://schemas.openxmlformats.org/officeDocument/2006/relationships" xmlns:p="http://schemas.openxmlformats.org/presentationml/2006/main">
+  <p:cSld>
+    <p:spTree>
+      <p:nvGrpSpPr>
+        <p:cNvPr id="1" name=""/>
+        <p:cNvGrpSpPr/>
+        <p:nvPr/>
+      </p:nvGrpSpPr>
+      <p:grpSpPr>
+        <a:xfrm>
+          <a:off x="0" y="0"/>
+          <a:ext cx="0" cy="0"/>
+          <a:chOff x="0" y="0"/>
+          <a:chExt cx="0" cy="0"/>
+        </a:xfrm>
+      </p:grpSpPr>
+      <p:sp>
+        <p:nvSpPr>
+          <p:cNvPr id="2" name="Title 1"/>
+          <p:cNvSpPr>
+            <a:spLocks noGrp="1"/>
+          </p:cNvSpPr>
+          <p:nvPr>
+            <p:ph type="ctrTitle"/>
+          </p:nvPr>
+        </p:nvSpPr>
+        <p:spPr>
+          <a:xfrm>
+            <a:off x="971005" y="81798"/>
+            <a:ext cx="10249988" cy="1005840"/>
+          </a:xfrm>
+        </p:spPr>
+        <p:txBody>
+          <a:bodyPr>
+            <a:normAutofit/>
+          </a:bodyPr>
+          <a:lstStyle/>
+          <a:p>
+            <a:pPr algn="l"/>
+            <a:r>
+              <a:rPr lang="en-US" sz="4000" b="1" dirty="0" smtClean="0"/>
+              <a:t> </a:t>
+            </a:r>
+            <a:endParaRPr lang="en-US" sz="4000" b="1" dirty="0"/>
+          </a:p>
+        </p:txBody>
+      </p:sp>
+      <p:sp>
+        <p:nvSpPr>
+          <p:cNvPr id="3" name="Subtitle 2"/>
+          <p:cNvSpPr>
+            <a:spLocks noGrp="1"/>
+          </p:cNvSpPr>
+          <p:nvPr>
+            <p:ph type="subTitle" idx="1"/>
+          </p:nvPr>
+        </p:nvSpPr>
+        <p:spPr>
+          <a:xfrm>
+            <a:off x="143691" y="969762"/>
+            <a:ext cx="11941627" cy="4581952"/>
+          </a:xfrm>
+        </p:spPr>
+        <p:txBody>
+          <a:bodyPr>
+            <a:noAutofit/>
+          </a:bodyPr>
+          <a:lstStyle/>
+          <a:p>
+            <a:pPr algn="just"/>
+            <a:r>
+              <a:rPr lang="en-US" sz="2000" b="1" dirty="0" smtClean="0"/>
+              <a:t>IV. Insurance </a:t>
+            </a:r>
+            <a:r>
+              <a:rPr lang="en-US" sz="2000" b="1" dirty="0"/>
+              <a:t>Option</a:t>
+            </a:r>
+            <a:r>
+              <a:rPr lang="en-US" sz="2000" dirty="0"/>
+              <a:t>:</a:t>
+            </a:r>
+          </a:p>
+          <a:p>
+            <a:pPr algn="just"/>
+            <a:r>
+              <a:rPr lang="en-US" sz="2000" dirty="0"/>
+              <a:t>To safeguard your </a:t>
+            </a:r>
+            <a:r>
+              <a:rPr lang="en-US" sz="2000" dirty="0" smtClean="0"/>
+              <a:t>purchase, Select </a:t>
+            </a:r>
+            <a:r>
+              <a:rPr lang="en-US" sz="2000" dirty="0"/>
+              <a:t>the appropriate insurance option before proceeding</a:t>
+            </a:r>
+            <a:r>
+              <a:rPr lang="en-US" sz="2000" dirty="0" smtClean="0"/>
+              <a:t>.</a:t>
+            </a:r>
+          </a:p>
+          <a:p>
+            <a:pPr algn="just"/>
+            <a:r>
+              <a:rPr lang="en-US" sz="2000" b="1" dirty="0" smtClean="0"/>
+              <a:t>V. Continue </a:t>
+            </a:r>
+            <a:r>
+              <a:rPr lang="en-US" sz="2000" b="1" dirty="0"/>
+              <a:t>to Payment</a:t>
+            </a:r>
+            <a:r>
+              <a:rPr lang="en-US" sz="2000" dirty="0"/>
+              <a:t>:</a:t>
+            </a:r>
+          </a:p>
+          <a:p>
+            <a:pPr algn="just"/>
+            <a:r>
+              <a:rPr lang="en-US" sz="2000" dirty="0"/>
+              <a:t>After filling out all the necessary fields, click on the "Continue" button to proceed to </a:t>
+            </a:r>
+            <a:r>
+              <a:rPr lang="en-US" sz="2000" dirty="0" smtClean="0"/>
+              <a:t>the order bill review.</a:t>
+            </a:r>
+            <a:endParaRPr lang="en-US" sz="2000" dirty="0"/>
+          </a:p>
+          <a:p>
+            <a:pPr algn="just"/>
+            <a:endParaRPr lang="en-US" sz="2000" dirty="0"/>
+          </a:p>
+          <a:p>
+            <a:pPr algn="just"/>
+            <a:endParaRPr lang="en-US" sz="2000" dirty="0"/>
+          </a:p>
+        </p:txBody>
+      </p:sp>
+      <p:pic>
+        <p:nvPicPr>
+          <p:cNvPr id="4" name="Picture 3"/>
+          <p:cNvPicPr>
+            <a:picLocks noChangeAspect="1"/>
+          </p:cNvPicPr>
+          <p:nvPr/>
+        </p:nvPicPr>
+        <p:blipFill>
+          <a:blip r:embed="rId2" cstate="print">
+            <a:extLst>
+              <a:ext uri="{28A0092B-C50C-407E-A947-70E740481C1C}">
+                <a14:useLocalDpi xmlns:a14="http://schemas.microsoft.com/office/drawing/2010/main" val="0"/>
+              </a:ext>
+            </a:extLst>
+          </a:blip>
+          <a:stretch>
+            <a:fillRect/>
+          </a:stretch>
+        </p:blipFill>
+        <p:spPr>
+          <a:xfrm>
+            <a:off x="8858793" y="50696"/>
+            <a:ext cx="3226525" cy="573210"/>
+          </a:xfrm>
+          <a:prstGeom prst="rect">
+            <a:avLst/>
+          </a:prstGeom>
+        </p:spPr>
+      </p:pic>
+      <p:cxnSp>
+        <p:nvCxnSpPr>
+          <p:cNvPr id="8" name="Straight Connector 7"/>
+          <p:cNvCxnSpPr/>
+          <p:nvPr/>
+        </p:nvCxnSpPr>
+        <p:spPr>
+          <a:xfrm>
+            <a:off x="0" y="875211"/>
+            <a:ext cx="12192000" cy="0"/>
+          </a:xfrm>
+          <a:prstGeom prst="line">
+            <a:avLst/>
+          </a:prstGeom>
+        </p:spPr>
+        <p:style>
+          <a:lnRef idx="3">
+            <a:schemeClr val="dk1"/>
+          </a:lnRef>
+          <a:fillRef idx="0">
+            <a:schemeClr val="dk1"/>
+          </a:fillRef>
+          <a:effectRef idx="2">
+            <a:schemeClr val="dk1"/>
+          </a:effectRef>
+          <a:fontRef idx="minor">
+            <a:schemeClr val="tx1"/>
+          </a:fontRef>
+        </p:style>
+      </p:cxnSp>
+      <p:pic>
+        <p:nvPicPr>
+          <p:cNvPr id="5" name="Picture 4"/>
+          <p:cNvPicPr>
+            <a:picLocks noChangeAspect="1"/>
+          </p:cNvPicPr>
+          <p:nvPr/>
+        </p:nvPicPr>
+        <p:blipFill>
+          <a:blip r:embed="rId3">
+            <a:extLst>
+              <a:ext uri="{28A0092B-C50C-407E-A947-70E740481C1C}">
+                <a14:useLocalDpi xmlns:a14="http://schemas.microsoft.com/office/drawing/2010/main" val="0"/>
+              </a:ext>
+            </a:extLst>
+          </a:blip>
+          <a:stretch>
+            <a:fillRect/>
+          </a:stretch>
+        </p:blipFill>
+        <p:spPr>
+          <a:xfrm>
+            <a:off x="1833154" y="2939142"/>
+            <a:ext cx="8316686" cy="3657600"/>
+          </a:xfrm>
+          <a:prstGeom prst="rect">
+            <a:avLst/>
+          </a:prstGeom>
+        </p:spPr>
+      </p:pic>
+    </p:spTree>
+    <p:extLst>
+      <p:ext uri="{BB962C8B-B14F-4D97-AF65-F5344CB8AC3E}">
+        <p14:creationId xmlns:p14="http://schemas.microsoft.com/office/powerpoint/2010/main" val="3639606463"/>
+      </p:ext>
+    </p:extLst>
+  </p:cSld>
+  <p:clrMapOvr>
+    <a:masterClrMapping/>
+  </p:clrMapOvr>
+  <p:timing>
+    <p:tnLst>
+      <p:par>
+        <p:cTn id="1" dur="indefinite" restart="never" nodeType="tmRoot"/>
+      </p:par>
+    </p:tnLst>
+  </p:timing>
+</p:sld>
+</file>
+
+<file path=ppt/slides/slide19.xml><?xml version="1.0" encoding="utf-8"?>
+<p:sld xmlns:a="http://schemas.openxmlformats.org/drawingml/2006/main" xmlns:r="http://schemas.openxmlformats.org/officeDocument/2006/relationships" xmlns:p="http://schemas.openxmlformats.org/presentationml/2006/main">
+  <p:cSld>
+    <p:spTree>
+      <p:nvGrpSpPr>
+        <p:cNvPr id="1" name=""/>
+        <p:cNvGrpSpPr/>
+        <p:nvPr/>
+      </p:nvGrpSpPr>
+      <p:grpSpPr>
+        <a:xfrm>
+          <a:off x="0" y="0"/>
+          <a:ext cx="0" cy="0"/>
+          <a:chOff x="0" y="0"/>
+          <a:chExt cx="0" cy="0"/>
+        </a:xfrm>
+      </p:grpSpPr>
+      <p:sp>
+        <p:nvSpPr>
+          <p:cNvPr id="2" name="Title 1"/>
+          <p:cNvSpPr>
+            <a:spLocks noGrp="1"/>
+          </p:cNvSpPr>
+          <p:nvPr>
+            <p:ph type="ctrTitle"/>
+          </p:nvPr>
+        </p:nvSpPr>
+        <p:spPr>
+          <a:xfrm>
+            <a:off x="496388" y="875210"/>
+            <a:ext cx="10711543" cy="1005840"/>
+          </a:xfrm>
+        </p:spPr>
+        <p:txBody>
+          <a:bodyPr>
+            <a:noAutofit/>
+          </a:bodyPr>
+          <a:lstStyle/>
+          <a:p>
+            <a:pPr algn="l"/>
+            <a:r>
+              <a:rPr lang="en-US" sz="3400" b="1" dirty="0" smtClean="0"/>
+              <a:t>2.2.1</a:t>
+            </a:r>
+            <a:r>
+              <a:rPr lang="en-US" sz="3400" dirty="0"/>
+              <a:t>: </a:t>
+            </a:r>
+            <a:r>
+              <a:rPr lang="en-US" sz="3400" b="1" dirty="0"/>
+              <a:t>Finalizing Your Order: Accepting Terms and Placing Your Purchase</a:t>
+            </a:r>
+            <a:endParaRPr lang="en-US" sz="3400" b="1" dirty="0"/>
+          </a:p>
+        </p:txBody>
+      </p:sp>
+      <p:sp>
+        <p:nvSpPr>
+          <p:cNvPr id="3" name="Subtitle 2"/>
+          <p:cNvSpPr>
+            <a:spLocks noGrp="1"/>
+          </p:cNvSpPr>
+          <p:nvPr>
+            <p:ph type="subTitle" idx="1"/>
+          </p:nvPr>
+        </p:nvSpPr>
+        <p:spPr>
+          <a:xfrm>
+            <a:off x="125186" y="1933300"/>
+            <a:ext cx="11941627" cy="4581952"/>
+          </a:xfrm>
+        </p:spPr>
+        <p:txBody>
+          <a:bodyPr>
+            <a:noAutofit/>
+          </a:bodyPr>
+          <a:lstStyle/>
+          <a:p>
+            <a:pPr algn="just"/>
+            <a:r>
+              <a:rPr lang="en-US" sz="2000" dirty="0"/>
+              <a:t>After selecting your shipping method and insurance options, you will be directed to the </a:t>
+            </a:r>
+            <a:r>
+              <a:rPr lang="en-US" sz="2000" b="1" dirty="0"/>
+              <a:t>Product Detail</a:t>
+            </a:r>
+            <a:r>
+              <a:rPr lang="en-US" sz="2000" dirty="0"/>
+              <a:t> page. Here’s what to expect</a:t>
+            </a:r>
+            <a:r>
+              <a:rPr lang="en-US" sz="2000" dirty="0" smtClean="0"/>
+              <a:t>:</a:t>
+            </a:r>
+          </a:p>
+          <a:p>
+            <a:pPr algn="just"/>
+            <a:r>
+              <a:rPr lang="en-US" sz="2000" b="1" dirty="0">
+                <a:solidFill>
+                  <a:srgbClr val="FF0000"/>
+                </a:solidFill>
+              </a:rPr>
+              <a:t>Product Overview</a:t>
+            </a:r>
+            <a:r>
+              <a:rPr lang="en-US" sz="2000" dirty="0"/>
+              <a:t>:</a:t>
+            </a:r>
+          </a:p>
+          <a:p>
+            <a:pPr algn="just"/>
+            <a:r>
+              <a:rPr lang="en-US" sz="2000" dirty="0"/>
+              <a:t>This section displays a clear summary of the items you are purchasing, including:</a:t>
+            </a:r>
+          </a:p>
+          <a:p>
+            <a:pPr lvl="1" algn="just"/>
+            <a:r>
+              <a:rPr lang="en-US" dirty="0" smtClean="0"/>
+              <a:t>i. The </a:t>
+            </a:r>
+            <a:r>
+              <a:rPr lang="en-US" b="1" dirty="0"/>
+              <a:t>product name</a:t>
+            </a:r>
+            <a:r>
+              <a:rPr lang="en-US" dirty="0"/>
+              <a:t> (e.g., Apple iPhone Xs Max 64gb Silver Unlocked B+),</a:t>
+            </a:r>
+          </a:p>
+          <a:p>
+            <a:pPr lvl="1" algn="just"/>
+            <a:r>
+              <a:rPr lang="en-US" dirty="0" smtClean="0"/>
+              <a:t>ii. The </a:t>
+            </a:r>
+            <a:r>
+              <a:rPr lang="en-US" b="1" dirty="0"/>
+              <a:t>quantity</a:t>
+            </a:r>
+            <a:r>
+              <a:rPr lang="en-US" dirty="0"/>
+              <a:t> (Qty),</a:t>
+            </a:r>
+          </a:p>
+          <a:p>
+            <a:pPr lvl="1" algn="just"/>
+            <a:r>
+              <a:rPr lang="en-US" dirty="0" smtClean="0"/>
+              <a:t>iii. The </a:t>
+            </a:r>
+            <a:r>
+              <a:rPr lang="en-US" b="1" dirty="0"/>
+              <a:t>rate per unit</a:t>
+            </a:r>
+            <a:r>
+              <a:rPr lang="en-US" dirty="0"/>
+              <a:t> and </a:t>
+            </a:r>
+            <a:r>
+              <a:rPr lang="en-US" b="1" dirty="0"/>
+              <a:t>total price</a:t>
+            </a:r>
+            <a:r>
+              <a:rPr lang="en-US" dirty="0"/>
+              <a:t> of the items.</a:t>
+            </a:r>
+          </a:p>
+          <a:p>
+            <a:pPr algn="just"/>
+            <a:r>
+              <a:rPr lang="en-US" sz="2000" b="1" dirty="0">
+                <a:solidFill>
+                  <a:srgbClr val="FF0000"/>
+                </a:solidFill>
+              </a:rPr>
+              <a:t>Shipping and Insurance Costs</a:t>
+            </a:r>
+            <a:r>
+              <a:rPr lang="en-US" sz="2000" dirty="0"/>
+              <a:t>:</a:t>
+            </a:r>
+          </a:p>
+          <a:p>
+            <a:pPr algn="just"/>
+            <a:r>
+              <a:rPr lang="en-US" sz="2000" dirty="0"/>
+              <a:t>Alongside the product details, you will find the </a:t>
+            </a:r>
+            <a:r>
+              <a:rPr lang="en-US" sz="2000" b="1" dirty="0"/>
+              <a:t>shipping fee</a:t>
+            </a:r>
+            <a:r>
+              <a:rPr lang="en-US" sz="2000" dirty="0"/>
+              <a:t> and </a:t>
+            </a:r>
+            <a:r>
+              <a:rPr lang="en-US" sz="2000" b="1" dirty="0"/>
+              <a:t>insurance</a:t>
+            </a:r>
+            <a:r>
+              <a:rPr lang="en-US" sz="2000" dirty="0"/>
+              <a:t> calculated based on your previous selection. For example:</a:t>
+            </a:r>
+          </a:p>
+          <a:p>
+            <a:pPr lvl="1" algn="just"/>
+            <a:r>
+              <a:rPr lang="en-US" b="1" dirty="0" smtClean="0"/>
+              <a:t>i. Shipping</a:t>
+            </a:r>
+            <a:r>
+              <a:rPr lang="en-US" dirty="0"/>
+              <a:t>: $25</a:t>
+            </a:r>
+          </a:p>
+          <a:p>
+            <a:pPr lvl="1" algn="just"/>
+            <a:r>
+              <a:rPr lang="en-US" b="1" dirty="0" smtClean="0"/>
+              <a:t>ii. Insurance</a:t>
+            </a:r>
+            <a:r>
+              <a:rPr lang="en-US" dirty="0"/>
+              <a:t>: $1.8 (1% of the total price)</a:t>
+            </a:r>
+          </a:p>
+          <a:p>
+            <a:pPr algn="just"/>
+            <a:endParaRPr lang="en-US" sz="2000" dirty="0"/>
+          </a:p>
+        </p:txBody>
+      </p:sp>
+      <p:pic>
+        <p:nvPicPr>
+          <p:cNvPr id="4" name="Picture 3"/>
+          <p:cNvPicPr>
+            <a:picLocks noChangeAspect="1"/>
+          </p:cNvPicPr>
+          <p:nvPr/>
+        </p:nvPicPr>
+        <p:blipFill>
+          <a:blip r:embed="rId2" cstate="print">
+            <a:extLst>
+              <a:ext uri="{28A0092B-C50C-407E-A947-70E740481C1C}">
+                <a14:useLocalDpi xmlns:a14="http://schemas.microsoft.com/office/drawing/2010/main" val="0"/>
+              </a:ext>
+            </a:extLst>
+          </a:blip>
+          <a:stretch>
+            <a:fillRect/>
+          </a:stretch>
+        </p:blipFill>
+        <p:spPr>
+          <a:xfrm>
+            <a:off x="8858793" y="50696"/>
+            <a:ext cx="3226525" cy="573210"/>
+          </a:xfrm>
+          <a:prstGeom prst="rect">
+            <a:avLst/>
+          </a:prstGeom>
+        </p:spPr>
+      </p:pic>
+      <p:cxnSp>
+        <p:nvCxnSpPr>
+          <p:cNvPr id="8" name="Straight Connector 7"/>
+          <p:cNvCxnSpPr/>
+          <p:nvPr/>
+        </p:nvCxnSpPr>
+        <p:spPr>
+          <a:xfrm>
+            <a:off x="0" y="875211"/>
+            <a:ext cx="12192000" cy="0"/>
+          </a:xfrm>
+          <a:prstGeom prst="line">
+            <a:avLst/>
+          </a:prstGeom>
+        </p:spPr>
+        <p:style>
+          <a:lnRef idx="3">
+            <a:schemeClr val="dk1"/>
+          </a:lnRef>
+          <a:fillRef idx="0">
+            <a:schemeClr val="dk1"/>
+          </a:fillRef>
+          <a:effectRef idx="2">
+            <a:schemeClr val="dk1"/>
+          </a:effectRef>
+          <a:fontRef idx="minor">
+            <a:schemeClr val="tx1"/>
+          </a:fontRef>
+        </p:style>
+      </p:cxnSp>
+    </p:spTree>
+    <p:extLst>
+      <p:ext uri="{BB962C8B-B14F-4D97-AF65-F5344CB8AC3E}">
+        <p14:creationId xmlns:p14="http://schemas.microsoft.com/office/powerpoint/2010/main" val="2175334608"/>
+      </p:ext>
+    </p:extLst>
+  </p:cSld>
+  <p:clrMapOvr>
+    <a:masterClrMapping/>
+  </p:clrMapOvr>
+  <p:timing>
+    <p:tnLst>
+      <p:par>
+        <p:cTn id="1" dur="indefinite" restart="never" nodeType="tmRoot"/>
+      </p:par>
+    </p:tnLst>
+  </p:timing>
+</p:sld>
+</file>
+
 <file path=ppt/slides/slide2.xml><?xml version="1.0" encoding="utf-8"?>
 <p:sld xmlns:a="http://schemas.openxmlformats.org/drawingml/2006/main" xmlns:r="http://schemas.openxmlformats.org/officeDocument/2006/relationships" xmlns:p="http://schemas.openxmlformats.org/presentationml/2006/main">
   <p:cSld>
@@ -4926,8 +6026,8 @@
         </p:blipFill>
         <p:spPr>
           <a:xfrm>
-            <a:off x="611777" y="2502192"/>
-            <a:ext cx="10593978" cy="4076185"/>
+            <a:off x="1162593" y="2502192"/>
+            <a:ext cx="8399418" cy="4076185"/>
           </a:xfrm>
           <a:prstGeom prst="rect">
             <a:avLst/>
@@ -4984,8 +6084,8 @@
         </p:nvSpPr>
         <p:spPr>
           <a:xfrm>
-            <a:off x="9209314" y="2351314"/>
-            <a:ext cx="705394" cy="535577"/>
+            <a:off x="7996645" y="2348124"/>
+            <a:ext cx="584564" cy="535577"/>
           </a:xfrm>
           <a:prstGeom prst="rect">
             <a:avLst/>
@@ -5030,7 +6130,7 @@
         </p:nvCxnSpPr>
         <p:spPr>
           <a:xfrm flipV="1">
-            <a:off x="9562011" y="2886891"/>
+            <a:off x="8268788" y="2886891"/>
             <a:ext cx="0" cy="1528355"/>
           </a:xfrm>
           <a:prstGeom prst="straightConnector1">
@@ -5088,6 +6188,1347 @@
       </p:transition>
     </mc:Fallback>
   </mc:AlternateContent>
+  <p:timing>
+    <p:tnLst>
+      <p:par>
+        <p:cTn id="1" dur="indefinite" restart="never" nodeType="tmRoot"/>
+      </p:par>
+    </p:tnLst>
+  </p:timing>
+</p:sld>
+</file>
+
+<file path=ppt/slides/slide20.xml><?xml version="1.0" encoding="utf-8"?>
+<p:sld xmlns:a="http://schemas.openxmlformats.org/drawingml/2006/main" xmlns:r="http://schemas.openxmlformats.org/officeDocument/2006/relationships" xmlns:p="http://schemas.openxmlformats.org/presentationml/2006/main">
+  <p:cSld>
+    <p:spTree>
+      <p:nvGrpSpPr>
+        <p:cNvPr id="1" name=""/>
+        <p:cNvGrpSpPr/>
+        <p:nvPr/>
+      </p:nvGrpSpPr>
+      <p:grpSpPr>
+        <a:xfrm>
+          <a:off x="0" y="0"/>
+          <a:ext cx="0" cy="0"/>
+          <a:chOff x="0" y="0"/>
+          <a:chExt cx="0" cy="0"/>
+        </a:xfrm>
+      </p:grpSpPr>
+      <p:sp>
+        <p:nvSpPr>
+          <p:cNvPr id="2" name="Title 1"/>
+          <p:cNvSpPr>
+            <a:spLocks noGrp="1"/>
+          </p:cNvSpPr>
+          <p:nvPr>
+            <p:ph type="ctrTitle"/>
+          </p:nvPr>
+        </p:nvSpPr>
+        <p:spPr>
+          <a:xfrm>
+            <a:off x="748937" y="246639"/>
+            <a:ext cx="10249988" cy="1005840"/>
+          </a:xfrm>
+        </p:spPr>
+        <p:txBody>
+          <a:bodyPr>
+            <a:normAutofit/>
+          </a:bodyPr>
+          <a:lstStyle/>
+          <a:p>
+            <a:pPr algn="l"/>
+            <a:r>
+              <a:rPr lang="en-US" sz="3400" b="1" dirty="0" smtClean="0"/>
+              <a:t> </a:t>
+            </a:r>
+            <a:endParaRPr lang="en-US" sz="3400" b="1" dirty="0"/>
+          </a:p>
+        </p:txBody>
+      </p:sp>
+      <p:sp>
+        <p:nvSpPr>
+          <p:cNvPr id="3" name="Subtitle 2"/>
+          <p:cNvSpPr>
+            <a:spLocks noGrp="1"/>
+          </p:cNvSpPr>
+          <p:nvPr>
+            <p:ph type="subTitle" idx="1"/>
+          </p:nvPr>
+        </p:nvSpPr>
+        <p:spPr>
+          <a:xfrm>
+            <a:off x="125186" y="1126517"/>
+            <a:ext cx="11941627" cy="5509414"/>
+          </a:xfrm>
+        </p:spPr>
+        <p:txBody>
+          <a:bodyPr>
+            <a:noAutofit/>
+          </a:bodyPr>
+          <a:lstStyle/>
+          <a:p>
+            <a:pPr algn="just"/>
+            <a:r>
+              <a:rPr lang="en-US" sz="2000" b="1" dirty="0">
+                <a:solidFill>
+                  <a:srgbClr val="FF0000"/>
+                </a:solidFill>
+              </a:rPr>
+              <a:t>Final Total</a:t>
+            </a:r>
+            <a:r>
+              <a:rPr lang="en-US" sz="2000" dirty="0">
+                <a:solidFill>
+                  <a:srgbClr val="FF0000"/>
+                </a:solidFill>
+              </a:rPr>
+              <a:t>:</a:t>
+            </a:r>
+          </a:p>
+          <a:p>
+            <a:pPr algn="just"/>
+            <a:r>
+              <a:rPr lang="en-US" sz="2000" dirty="0"/>
+              <a:t>The total amount, including the product cost, shipping fee, and insurance, is clearly displayed. In this case, the final total is </a:t>
+            </a:r>
+            <a:r>
+              <a:rPr lang="en-US" sz="2000" b="1" dirty="0"/>
+              <a:t>$206.80</a:t>
+            </a:r>
+            <a:r>
+              <a:rPr lang="en-US" sz="2000" dirty="0" smtClean="0"/>
+              <a:t>.</a:t>
+            </a:r>
+          </a:p>
+          <a:p>
+            <a:pPr algn="just"/>
+            <a:r>
+              <a:rPr lang="en-US" sz="2000" b="1" dirty="0">
+                <a:solidFill>
+                  <a:srgbClr val="FF0000"/>
+                </a:solidFill>
+              </a:rPr>
+              <a:t>Add a Note</a:t>
+            </a:r>
+            <a:r>
+              <a:rPr lang="en-US" sz="2000" dirty="0">
+                <a:solidFill>
+                  <a:srgbClr val="FF0000"/>
+                </a:solidFill>
+              </a:rPr>
+              <a:t>:</a:t>
+            </a:r>
+          </a:p>
+          <a:p>
+            <a:pPr algn="just"/>
+            <a:r>
+              <a:rPr lang="en-US" sz="2000" dirty="0"/>
+              <a:t>Below the product details, there’s a section labeled </a:t>
+            </a:r>
+            <a:r>
+              <a:rPr lang="en-US" sz="2000" b="1" dirty="0"/>
+              <a:t>Note</a:t>
+            </a:r>
+            <a:r>
+              <a:rPr lang="en-US" sz="2000" dirty="0"/>
+              <a:t> where you can add any special instructions or comments regarding your order. For instance, you can specify delivery preferences or additional details relevant to the purchase.</a:t>
+            </a:r>
+          </a:p>
+          <a:p>
+            <a:pPr algn="just"/>
+            <a:r>
+              <a:rPr lang="en-US" sz="2000" b="1" dirty="0">
+                <a:solidFill>
+                  <a:srgbClr val="FF0000"/>
+                </a:solidFill>
+              </a:rPr>
+              <a:t>Commitment to Purchase</a:t>
+            </a:r>
+            <a:r>
+              <a:rPr lang="en-US" sz="2000" dirty="0">
+                <a:solidFill>
+                  <a:srgbClr val="FF0000"/>
+                </a:solidFill>
+              </a:rPr>
+              <a:t>:</a:t>
+            </a:r>
+          </a:p>
+          <a:p>
+            <a:pPr algn="just"/>
+            <a:r>
+              <a:rPr lang="en-US" sz="2000" dirty="0"/>
+              <a:t>At the bottom of the page, there is a reminder in red text stating: "If you continue this checkout step, you are committing to buy the device(s), failure to make the payment will cancel your order."</a:t>
+            </a:r>
+          </a:p>
+          <a:p>
+            <a:pPr algn="just"/>
+            <a:r>
+              <a:rPr lang="en-US" sz="2000" dirty="0"/>
+              <a:t>This ensures you are aware of your commitment before proceeding to the final </a:t>
+            </a:r>
+            <a:r>
+              <a:rPr lang="en-US" sz="2000" dirty="0" smtClean="0"/>
+              <a:t>step.</a:t>
+            </a:r>
+          </a:p>
+          <a:p>
+            <a:pPr algn="just"/>
+            <a:r>
+              <a:rPr lang="en-US" sz="2000" dirty="0" smtClean="0"/>
+              <a:t>Once you have reviewed all the details and, if necessary, added a note, simply click the </a:t>
+            </a:r>
+            <a:r>
+              <a:rPr lang="en-US" sz="2000" b="1" dirty="0" smtClean="0"/>
+              <a:t>Continue</a:t>
+            </a:r>
+            <a:r>
+              <a:rPr lang="en-US" sz="2000" dirty="0" smtClean="0"/>
+              <a:t> button.</a:t>
+            </a:r>
+            <a:endParaRPr lang="en-US" sz="2000" dirty="0"/>
+          </a:p>
+          <a:p>
+            <a:pPr algn="just"/>
+            <a:endParaRPr lang="en-US" sz="2000" dirty="0"/>
+          </a:p>
+        </p:txBody>
+      </p:sp>
+      <p:pic>
+        <p:nvPicPr>
+          <p:cNvPr id="4" name="Picture 3"/>
+          <p:cNvPicPr>
+            <a:picLocks noChangeAspect="1"/>
+          </p:cNvPicPr>
+          <p:nvPr/>
+        </p:nvPicPr>
+        <p:blipFill>
+          <a:blip r:embed="rId2" cstate="print">
+            <a:extLst>
+              <a:ext uri="{28A0092B-C50C-407E-A947-70E740481C1C}">
+                <a14:useLocalDpi xmlns:a14="http://schemas.microsoft.com/office/drawing/2010/main" val="0"/>
+              </a:ext>
+            </a:extLst>
+          </a:blip>
+          <a:stretch>
+            <a:fillRect/>
+          </a:stretch>
+        </p:blipFill>
+        <p:spPr>
+          <a:xfrm>
+            <a:off x="8858793" y="50696"/>
+            <a:ext cx="3226525" cy="573210"/>
+          </a:xfrm>
+          <a:prstGeom prst="rect">
+            <a:avLst/>
+          </a:prstGeom>
+        </p:spPr>
+      </p:pic>
+      <p:cxnSp>
+        <p:nvCxnSpPr>
+          <p:cNvPr id="8" name="Straight Connector 7"/>
+          <p:cNvCxnSpPr/>
+          <p:nvPr/>
+        </p:nvCxnSpPr>
+        <p:spPr>
+          <a:xfrm>
+            <a:off x="0" y="875211"/>
+            <a:ext cx="12192000" cy="0"/>
+          </a:xfrm>
+          <a:prstGeom prst="line">
+            <a:avLst/>
+          </a:prstGeom>
+        </p:spPr>
+        <p:style>
+          <a:lnRef idx="3">
+            <a:schemeClr val="dk1"/>
+          </a:lnRef>
+          <a:fillRef idx="0">
+            <a:schemeClr val="dk1"/>
+          </a:fillRef>
+          <a:effectRef idx="2">
+            <a:schemeClr val="dk1"/>
+          </a:effectRef>
+          <a:fontRef idx="minor">
+            <a:schemeClr val="tx1"/>
+          </a:fontRef>
+        </p:style>
+      </p:cxnSp>
+    </p:spTree>
+    <p:extLst>
+      <p:ext uri="{BB962C8B-B14F-4D97-AF65-F5344CB8AC3E}">
+        <p14:creationId xmlns:p14="http://schemas.microsoft.com/office/powerpoint/2010/main" val="3529379154"/>
+      </p:ext>
+    </p:extLst>
+  </p:cSld>
+  <p:clrMapOvr>
+    <a:masterClrMapping/>
+  </p:clrMapOvr>
+  <p:timing>
+    <p:tnLst>
+      <p:par>
+        <p:cTn id="1" dur="indefinite" restart="never" nodeType="tmRoot"/>
+      </p:par>
+    </p:tnLst>
+  </p:timing>
+</p:sld>
+</file>
+
+<file path=ppt/slides/slide21.xml><?xml version="1.0" encoding="utf-8"?>
+<p:sld xmlns:a="http://schemas.openxmlformats.org/drawingml/2006/main" xmlns:r="http://schemas.openxmlformats.org/officeDocument/2006/relationships" xmlns:p="http://schemas.openxmlformats.org/presentationml/2006/main">
+  <p:cSld>
+    <p:spTree>
+      <p:nvGrpSpPr>
+        <p:cNvPr id="1" name=""/>
+        <p:cNvGrpSpPr/>
+        <p:nvPr/>
+      </p:nvGrpSpPr>
+      <p:grpSpPr>
+        <a:xfrm>
+          <a:off x="0" y="0"/>
+          <a:ext cx="0" cy="0"/>
+          <a:chOff x="0" y="0"/>
+          <a:chExt cx="0" cy="0"/>
+        </a:xfrm>
+      </p:grpSpPr>
+      <p:sp>
+        <p:nvSpPr>
+          <p:cNvPr id="2" name="Title 1"/>
+          <p:cNvSpPr>
+            <a:spLocks noGrp="1"/>
+          </p:cNvSpPr>
+          <p:nvPr>
+            <p:ph type="ctrTitle"/>
+          </p:nvPr>
+        </p:nvSpPr>
+        <p:spPr>
+          <a:xfrm>
+            <a:off x="748937" y="471819"/>
+            <a:ext cx="10249988" cy="1005840"/>
+          </a:xfrm>
+        </p:spPr>
+        <p:txBody>
+          <a:bodyPr>
+            <a:normAutofit/>
+          </a:bodyPr>
+          <a:lstStyle/>
+          <a:p>
+            <a:pPr algn="l"/>
+            <a:r>
+              <a:rPr lang="en-US" sz="3400" b="1" dirty="0" smtClean="0"/>
+              <a:t> 2.2.2 </a:t>
+            </a:r>
+            <a:r>
+              <a:rPr lang="en-US" sz="3600" b="1" dirty="0" smtClean="0"/>
+              <a:t>Reviewing </a:t>
+            </a:r>
+            <a:r>
+              <a:rPr lang="en-US" sz="3600" b="1" dirty="0"/>
+              <a:t>the Terms &amp; Conditions</a:t>
+            </a:r>
+            <a:r>
+              <a:rPr lang="en-US" sz="3600" dirty="0"/>
+              <a:t>:</a:t>
+            </a:r>
+            <a:endParaRPr lang="en-US" sz="3400" b="1" dirty="0"/>
+          </a:p>
+        </p:txBody>
+      </p:sp>
+      <p:sp>
+        <p:nvSpPr>
+          <p:cNvPr id="3" name="Subtitle 2"/>
+          <p:cNvSpPr>
+            <a:spLocks noGrp="1"/>
+          </p:cNvSpPr>
+          <p:nvPr>
+            <p:ph type="subTitle" idx="1"/>
+          </p:nvPr>
+        </p:nvSpPr>
+        <p:spPr>
+          <a:xfrm>
+            <a:off x="139336" y="1583717"/>
+            <a:ext cx="11941627" cy="5509414"/>
+          </a:xfrm>
+        </p:spPr>
+        <p:txBody>
+          <a:bodyPr>
+            <a:noAutofit/>
+          </a:bodyPr>
+          <a:lstStyle/>
+          <a:p>
+            <a:pPr algn="just"/>
+            <a:r>
+              <a:rPr lang="en-US" sz="1800" dirty="0"/>
+              <a:t>After reviewing your order details and clicking "Continue," </a:t>
+            </a:r>
+            <a:r>
+              <a:rPr lang="en-US" sz="1800" dirty="0" smtClean="0"/>
+              <a:t>modal of </a:t>
+            </a:r>
+            <a:r>
+              <a:rPr lang="en-US" sz="1800" b="1" dirty="0" smtClean="0"/>
+              <a:t>Terms </a:t>
+            </a:r>
+            <a:r>
+              <a:rPr lang="en-US" sz="1800" b="1" dirty="0"/>
+              <a:t>&amp; Conditions</a:t>
+            </a:r>
+            <a:r>
+              <a:rPr lang="en-US" sz="1800" dirty="0"/>
+              <a:t> </a:t>
+            </a:r>
+            <a:r>
+              <a:rPr lang="en-US" sz="1800" dirty="0" smtClean="0"/>
+              <a:t>will appear. </a:t>
+            </a:r>
+            <a:r>
+              <a:rPr lang="en-US" sz="1800" dirty="0"/>
+              <a:t>This is a crucial step to ensure that you understand the policies and legal guidelines associated with your purchase. Here’s what you need to do:</a:t>
+            </a:r>
+          </a:p>
+          <a:p>
+            <a:pPr algn="just"/>
+            <a:r>
+              <a:rPr lang="en-US" sz="1800" b="1" dirty="0"/>
+              <a:t>Review the Terms &amp; Conditions</a:t>
+            </a:r>
+            <a:r>
+              <a:rPr lang="en-US" sz="1800" dirty="0"/>
+              <a:t>:</a:t>
+            </a:r>
+          </a:p>
+          <a:p>
+            <a:pPr lvl="1" algn="just"/>
+            <a:r>
+              <a:rPr lang="en-US" sz="1800" dirty="0"/>
+              <a:t>The </a:t>
+            </a:r>
+            <a:r>
+              <a:rPr lang="en-US" sz="1800" b="1" dirty="0"/>
+              <a:t>Terms &amp; Conditions</a:t>
+            </a:r>
+            <a:r>
+              <a:rPr lang="en-US" sz="1800" dirty="0"/>
+              <a:t> outlines the website’s rules regarding user behavior, intellectual property protection, and potential legal liabilities. By agreeing to these terms, you enter into a legal contract with the website.</a:t>
+            </a:r>
+          </a:p>
+          <a:p>
+            <a:pPr lvl="1" algn="just"/>
+            <a:r>
+              <a:rPr lang="en-US" sz="1800" dirty="0"/>
+              <a:t>Key points include:</a:t>
+            </a:r>
+          </a:p>
+          <a:p>
+            <a:pPr lvl="2" algn="just"/>
+            <a:r>
+              <a:rPr lang="en-US" b="1" dirty="0"/>
+              <a:t>Abusive users</a:t>
+            </a:r>
+            <a:r>
+              <a:rPr lang="en-US" dirty="0"/>
+              <a:t>: Guidelines on removing abusive content and users.</a:t>
+            </a:r>
+          </a:p>
+          <a:p>
+            <a:pPr lvl="2" algn="just"/>
+            <a:r>
+              <a:rPr lang="en-US" b="1" dirty="0"/>
+              <a:t>Intellectual property</a:t>
+            </a:r>
+            <a:r>
+              <a:rPr lang="en-US" dirty="0"/>
+              <a:t>: Protecting the site’s creative assets from unauthorized use.</a:t>
+            </a:r>
+          </a:p>
+          <a:p>
+            <a:pPr lvl="2" algn="just"/>
+            <a:r>
+              <a:rPr lang="en-US" b="1" dirty="0"/>
+              <a:t>Potential litigation</a:t>
+            </a:r>
+            <a:r>
+              <a:rPr lang="en-US" dirty="0"/>
+              <a:t>: Clarifying that these terms help protect the business from legal disputes.</a:t>
+            </a:r>
+          </a:p>
+          <a:p>
+            <a:pPr algn="just"/>
+            <a:r>
+              <a:rPr lang="en-US" sz="1800" b="1" dirty="0"/>
+              <a:t>Check the Agreement Box</a:t>
+            </a:r>
+            <a:r>
+              <a:rPr lang="en-US" sz="1800" dirty="0"/>
+              <a:t>:</a:t>
+            </a:r>
+          </a:p>
+          <a:p>
+            <a:pPr lvl="1" algn="just"/>
+            <a:r>
+              <a:rPr lang="en-US" sz="1800" dirty="0"/>
+              <a:t>Before proceeding, you must confirm that you agree to the website’s terms by checking the box:</a:t>
+            </a:r>
+            <a:br>
+              <a:rPr lang="en-US" sz="1800" dirty="0"/>
+            </a:br>
+            <a:r>
+              <a:rPr lang="en-US" sz="1800" i="1" dirty="0"/>
+              <a:t>“I agree to the terms and conditions as set out by the user agreement.”</a:t>
+            </a:r>
+            <a:endParaRPr lang="en-US" sz="1800" dirty="0"/>
+          </a:p>
+          <a:p>
+            <a:pPr algn="just"/>
+            <a:r>
+              <a:rPr lang="en-US" sz="1800" b="1" dirty="0"/>
+              <a:t>Click Continue</a:t>
+            </a:r>
+            <a:r>
+              <a:rPr lang="en-US" sz="1800" dirty="0"/>
+              <a:t>:</a:t>
+            </a:r>
+          </a:p>
+          <a:p>
+            <a:pPr lvl="1" algn="just"/>
+            <a:r>
+              <a:rPr lang="en-US" sz="1800" dirty="0"/>
+              <a:t>Once you’ve checked the agreement box, click the </a:t>
+            </a:r>
+            <a:r>
+              <a:rPr lang="en-US" sz="1800" b="1" dirty="0"/>
+              <a:t>Continue</a:t>
+            </a:r>
+            <a:r>
+              <a:rPr lang="en-US" sz="1800" dirty="0"/>
+              <a:t> button to finalize the purchase.</a:t>
+            </a:r>
+          </a:p>
+          <a:p>
+            <a:pPr algn="just"/>
+            <a:r>
+              <a:rPr lang="en-US" sz="1800" dirty="0"/>
+              <a:t>At this stage, your phone order is officially placed, and you will receive an </a:t>
+            </a:r>
+            <a:r>
+              <a:rPr lang="en-US" sz="1800" b="1" dirty="0"/>
+              <a:t>Order Confirmation</a:t>
+            </a:r>
+            <a:r>
+              <a:rPr lang="en-US" sz="1800" dirty="0"/>
+              <a:t> notification with further details about your </a:t>
+            </a:r>
+            <a:r>
+              <a:rPr lang="en-US" sz="1800" dirty="0" smtClean="0"/>
+              <a:t>purchase via email.</a:t>
+            </a:r>
+            <a:endParaRPr lang="en-US" sz="1800" dirty="0"/>
+          </a:p>
+          <a:p>
+            <a:pPr algn="just"/>
+            <a:endParaRPr lang="en-US" sz="1800" dirty="0"/>
+          </a:p>
+          <a:p>
+            <a:pPr algn="just"/>
+            <a:endParaRPr lang="en-US" sz="1800" dirty="0"/>
+          </a:p>
+        </p:txBody>
+      </p:sp>
+      <p:pic>
+        <p:nvPicPr>
+          <p:cNvPr id="4" name="Picture 3"/>
+          <p:cNvPicPr>
+            <a:picLocks noChangeAspect="1"/>
+          </p:cNvPicPr>
+          <p:nvPr/>
+        </p:nvPicPr>
+        <p:blipFill>
+          <a:blip r:embed="rId2" cstate="print">
+            <a:extLst>
+              <a:ext uri="{28A0092B-C50C-407E-A947-70E740481C1C}">
+                <a14:useLocalDpi xmlns:a14="http://schemas.microsoft.com/office/drawing/2010/main" val="0"/>
+              </a:ext>
+            </a:extLst>
+          </a:blip>
+          <a:stretch>
+            <a:fillRect/>
+          </a:stretch>
+        </p:blipFill>
+        <p:spPr>
+          <a:xfrm>
+            <a:off x="8858793" y="50696"/>
+            <a:ext cx="3226525" cy="573210"/>
+          </a:xfrm>
+          <a:prstGeom prst="rect">
+            <a:avLst/>
+          </a:prstGeom>
+        </p:spPr>
+      </p:pic>
+      <p:cxnSp>
+        <p:nvCxnSpPr>
+          <p:cNvPr id="8" name="Straight Connector 7"/>
+          <p:cNvCxnSpPr/>
+          <p:nvPr/>
+        </p:nvCxnSpPr>
+        <p:spPr>
+          <a:xfrm>
+            <a:off x="0" y="875211"/>
+            <a:ext cx="12192000" cy="0"/>
+          </a:xfrm>
+          <a:prstGeom prst="line">
+            <a:avLst/>
+          </a:prstGeom>
+        </p:spPr>
+        <p:style>
+          <a:lnRef idx="3">
+            <a:schemeClr val="dk1"/>
+          </a:lnRef>
+          <a:fillRef idx="0">
+            <a:schemeClr val="dk1"/>
+          </a:fillRef>
+          <a:effectRef idx="2">
+            <a:schemeClr val="dk1"/>
+          </a:effectRef>
+          <a:fontRef idx="minor">
+            <a:schemeClr val="tx1"/>
+          </a:fontRef>
+        </p:style>
+      </p:cxnSp>
+    </p:spTree>
+    <p:extLst>
+      <p:ext uri="{BB962C8B-B14F-4D97-AF65-F5344CB8AC3E}">
+        <p14:creationId xmlns:p14="http://schemas.microsoft.com/office/powerpoint/2010/main" val="3996296900"/>
+      </p:ext>
+    </p:extLst>
+  </p:cSld>
+  <p:clrMapOvr>
+    <a:masterClrMapping/>
+  </p:clrMapOvr>
+  <p:timing>
+    <p:tnLst>
+      <p:par>
+        <p:cTn id="1" dur="indefinite" restart="never" nodeType="tmRoot"/>
+      </p:par>
+    </p:tnLst>
+  </p:timing>
+</p:sld>
+</file>
+
+<file path=ppt/slides/slide22.xml><?xml version="1.0" encoding="utf-8"?>
+<p:sld xmlns:a="http://schemas.openxmlformats.org/drawingml/2006/main" xmlns:r="http://schemas.openxmlformats.org/officeDocument/2006/relationships" xmlns:p="http://schemas.openxmlformats.org/presentationml/2006/main">
+  <p:cSld>
+    <p:spTree>
+      <p:nvGrpSpPr>
+        <p:cNvPr id="1" name=""/>
+        <p:cNvGrpSpPr/>
+        <p:nvPr/>
+      </p:nvGrpSpPr>
+      <p:grpSpPr>
+        <a:xfrm>
+          <a:off x="0" y="0"/>
+          <a:ext cx="0" cy="0"/>
+          <a:chOff x="0" y="0"/>
+          <a:chExt cx="0" cy="0"/>
+        </a:xfrm>
+      </p:grpSpPr>
+      <p:sp>
+        <p:nvSpPr>
+          <p:cNvPr id="2" name="Title 1"/>
+          <p:cNvSpPr>
+            <a:spLocks noGrp="1"/>
+          </p:cNvSpPr>
+          <p:nvPr>
+            <p:ph type="ctrTitle"/>
+          </p:nvPr>
+        </p:nvSpPr>
+        <p:spPr>
+          <a:xfrm>
+            <a:off x="748937" y="497944"/>
+            <a:ext cx="10249988" cy="1005840"/>
+          </a:xfrm>
+        </p:spPr>
+        <p:txBody>
+          <a:bodyPr>
+            <a:normAutofit/>
+          </a:bodyPr>
+          <a:lstStyle/>
+          <a:p>
+            <a:pPr algn="l"/>
+            <a:r>
+              <a:rPr lang="en-US" sz="3400" b="1" dirty="0" smtClean="0"/>
+              <a:t>2.2.3 Screenshot of order checkout</a:t>
+            </a:r>
+            <a:endParaRPr lang="en-US" sz="3400" b="1" dirty="0"/>
+          </a:p>
+        </p:txBody>
+      </p:sp>
+      <p:sp>
+        <p:nvSpPr>
+          <p:cNvPr id="3" name="Subtitle 2"/>
+          <p:cNvSpPr>
+            <a:spLocks noGrp="1"/>
+          </p:cNvSpPr>
+          <p:nvPr>
+            <p:ph type="subTitle" idx="1"/>
+          </p:nvPr>
+        </p:nvSpPr>
+        <p:spPr>
+          <a:xfrm>
+            <a:off x="125186" y="1755089"/>
+            <a:ext cx="11941627" cy="4581952"/>
+          </a:xfrm>
+        </p:spPr>
+        <p:txBody>
+          <a:bodyPr>
+            <a:noAutofit/>
+          </a:bodyPr>
+          <a:lstStyle/>
+          <a:p>
+            <a:pPr algn="just"/>
+            <a:r>
+              <a:rPr lang="en-US" sz="2000" smtClean="0"/>
+              <a:t> </a:t>
+            </a:r>
+            <a:endParaRPr lang="en-US" sz="2000" dirty="0"/>
+          </a:p>
+        </p:txBody>
+      </p:sp>
+      <p:pic>
+        <p:nvPicPr>
+          <p:cNvPr id="4" name="Picture 3"/>
+          <p:cNvPicPr>
+            <a:picLocks noChangeAspect="1"/>
+          </p:cNvPicPr>
+          <p:nvPr/>
+        </p:nvPicPr>
+        <p:blipFill>
+          <a:blip r:embed="rId2" cstate="print">
+            <a:extLst>
+              <a:ext uri="{28A0092B-C50C-407E-A947-70E740481C1C}">
+                <a14:useLocalDpi xmlns:a14="http://schemas.microsoft.com/office/drawing/2010/main" val="0"/>
+              </a:ext>
+            </a:extLst>
+          </a:blip>
+          <a:stretch>
+            <a:fillRect/>
+          </a:stretch>
+        </p:blipFill>
+        <p:spPr>
+          <a:xfrm>
+            <a:off x="8858793" y="50696"/>
+            <a:ext cx="3226525" cy="573210"/>
+          </a:xfrm>
+          <a:prstGeom prst="rect">
+            <a:avLst/>
+          </a:prstGeom>
+        </p:spPr>
+      </p:pic>
+      <p:cxnSp>
+        <p:nvCxnSpPr>
+          <p:cNvPr id="8" name="Straight Connector 7"/>
+          <p:cNvCxnSpPr/>
+          <p:nvPr/>
+        </p:nvCxnSpPr>
+        <p:spPr>
+          <a:xfrm>
+            <a:off x="0" y="875211"/>
+            <a:ext cx="12192000" cy="0"/>
+          </a:xfrm>
+          <a:prstGeom prst="line">
+            <a:avLst/>
+          </a:prstGeom>
+        </p:spPr>
+        <p:style>
+          <a:lnRef idx="3">
+            <a:schemeClr val="dk1"/>
+          </a:lnRef>
+          <a:fillRef idx="0">
+            <a:schemeClr val="dk1"/>
+          </a:fillRef>
+          <a:effectRef idx="2">
+            <a:schemeClr val="dk1"/>
+          </a:effectRef>
+          <a:fontRef idx="minor">
+            <a:schemeClr val="tx1"/>
+          </a:fontRef>
+        </p:style>
+      </p:cxnSp>
+      <p:pic>
+        <p:nvPicPr>
+          <p:cNvPr id="5" name="Picture 4"/>
+          <p:cNvPicPr>
+            <a:picLocks noChangeAspect="1"/>
+          </p:cNvPicPr>
+          <p:nvPr/>
+        </p:nvPicPr>
+        <p:blipFill>
+          <a:blip r:embed="rId3">
+            <a:extLst>
+              <a:ext uri="{28A0092B-C50C-407E-A947-70E740481C1C}">
+                <a14:useLocalDpi xmlns:a14="http://schemas.microsoft.com/office/drawing/2010/main" val="0"/>
+              </a:ext>
+            </a:extLst>
+          </a:blip>
+          <a:stretch>
+            <a:fillRect/>
+          </a:stretch>
+        </p:blipFill>
+        <p:spPr>
+          <a:xfrm>
+            <a:off x="1071148" y="2051154"/>
+            <a:ext cx="8948064" cy="3918572"/>
+          </a:xfrm>
+          <a:prstGeom prst="rect">
+            <a:avLst/>
+          </a:prstGeom>
+        </p:spPr>
+      </p:pic>
+      <p:sp>
+        <p:nvSpPr>
+          <p:cNvPr id="6" name="Rectangle 5"/>
+          <p:cNvSpPr/>
+          <p:nvPr/>
+        </p:nvSpPr>
+        <p:spPr>
+          <a:xfrm>
+            <a:off x="8858793" y="5460274"/>
+            <a:ext cx="755470" cy="509452"/>
+          </a:xfrm>
+          <a:prstGeom prst="rect">
+            <a:avLst/>
+          </a:prstGeom>
+          <a:noFill/>
+          <a:ln>
+            <a:solidFill>
+              <a:srgbClr val="FF0000"/>
+            </a:solidFill>
+          </a:ln>
+        </p:spPr>
+        <p:style>
+          <a:lnRef idx="2">
+            <a:schemeClr val="accent1">
+              <a:shade val="50000"/>
+            </a:schemeClr>
+          </a:lnRef>
+          <a:fillRef idx="1">
+            <a:schemeClr val="accent1"/>
+          </a:fillRef>
+          <a:effectRef idx="0">
+            <a:schemeClr val="accent1"/>
+          </a:effectRef>
+          <a:fontRef idx="minor">
+            <a:schemeClr val="lt1"/>
+          </a:fontRef>
+        </p:style>
+        <p:txBody>
+          <a:bodyPr rtlCol="0" anchor="ctr"/>
+          <a:lstStyle/>
+          <a:p>
+            <a:pPr algn="ctr"/>
+            <a:endParaRPr lang="en-US"/>
+          </a:p>
+        </p:txBody>
+      </p:sp>
+      <p:cxnSp>
+        <p:nvCxnSpPr>
+          <p:cNvPr id="13" name="Straight Arrow Connector 12"/>
+          <p:cNvCxnSpPr/>
+          <p:nvPr/>
+        </p:nvCxnSpPr>
+        <p:spPr>
+          <a:xfrm>
+            <a:off x="7680960" y="4846320"/>
+            <a:ext cx="1071154" cy="613954"/>
+          </a:xfrm>
+          <a:prstGeom prst="straightConnector1">
+            <a:avLst/>
+          </a:prstGeom>
+          <a:ln>
+            <a:solidFill>
+              <a:srgbClr val="FF0000"/>
+            </a:solidFill>
+            <a:tailEnd type="triangle"/>
+          </a:ln>
+        </p:spPr>
+        <p:style>
+          <a:lnRef idx="1">
+            <a:schemeClr val="accent1"/>
+          </a:lnRef>
+          <a:fillRef idx="0">
+            <a:schemeClr val="accent1"/>
+          </a:fillRef>
+          <a:effectRef idx="0">
+            <a:schemeClr val="accent1"/>
+          </a:effectRef>
+          <a:fontRef idx="minor">
+            <a:schemeClr val="tx1"/>
+          </a:fontRef>
+        </p:style>
+      </p:cxnSp>
+    </p:spTree>
+    <p:extLst>
+      <p:ext uri="{BB962C8B-B14F-4D97-AF65-F5344CB8AC3E}">
+        <p14:creationId xmlns:p14="http://schemas.microsoft.com/office/powerpoint/2010/main" val="36846603"/>
+      </p:ext>
+    </p:extLst>
+  </p:cSld>
+  <p:clrMapOvr>
+    <a:masterClrMapping/>
+  </p:clrMapOvr>
+  <p:timing>
+    <p:tnLst>
+      <p:par>
+        <p:cTn id="1" dur="indefinite" restart="never" nodeType="tmRoot"/>
+      </p:par>
+    </p:tnLst>
+  </p:timing>
+</p:sld>
+</file>
+
+<file path=ppt/slides/slide23.xml><?xml version="1.0" encoding="utf-8"?>
+<p:sld xmlns:a="http://schemas.openxmlformats.org/drawingml/2006/main" xmlns:r="http://schemas.openxmlformats.org/officeDocument/2006/relationships" xmlns:p="http://schemas.openxmlformats.org/presentationml/2006/main">
+  <p:cSld>
+    <p:spTree>
+      <p:nvGrpSpPr>
+        <p:cNvPr id="1" name=""/>
+        <p:cNvGrpSpPr/>
+        <p:nvPr/>
+      </p:nvGrpSpPr>
+      <p:grpSpPr>
+        <a:xfrm>
+          <a:off x="0" y="0"/>
+          <a:ext cx="0" cy="0"/>
+          <a:chOff x="0" y="0"/>
+          <a:chExt cx="0" cy="0"/>
+        </a:xfrm>
+      </p:grpSpPr>
+      <p:sp>
+        <p:nvSpPr>
+          <p:cNvPr id="2" name="Title 1"/>
+          <p:cNvSpPr>
+            <a:spLocks noGrp="1"/>
+          </p:cNvSpPr>
+          <p:nvPr>
+            <p:ph type="ctrTitle"/>
+          </p:nvPr>
+        </p:nvSpPr>
+        <p:spPr>
+          <a:xfrm>
+            <a:off x="748937" y="497944"/>
+            <a:ext cx="10249988" cy="1005840"/>
+          </a:xfrm>
+        </p:spPr>
+        <p:txBody>
+          <a:bodyPr>
+            <a:normAutofit/>
+          </a:bodyPr>
+          <a:lstStyle/>
+          <a:p>
+            <a:pPr algn="l"/>
+            <a:r>
+              <a:rPr lang="en-US" sz="3400" b="1" dirty="0" smtClean="0"/>
+              <a:t>2.2.4 Screenshot of reviewing terms and condition</a:t>
+            </a:r>
+            <a:endParaRPr lang="en-US" sz="3400" b="1" dirty="0"/>
+          </a:p>
+        </p:txBody>
+      </p:sp>
+      <p:sp>
+        <p:nvSpPr>
+          <p:cNvPr id="3" name="Subtitle 2"/>
+          <p:cNvSpPr>
+            <a:spLocks noGrp="1"/>
+          </p:cNvSpPr>
+          <p:nvPr>
+            <p:ph type="subTitle" idx="1"/>
+          </p:nvPr>
+        </p:nvSpPr>
+        <p:spPr>
+          <a:xfrm>
+            <a:off x="125186" y="1755089"/>
+            <a:ext cx="11941627" cy="4581952"/>
+          </a:xfrm>
+        </p:spPr>
+        <p:txBody>
+          <a:bodyPr>
+            <a:noAutofit/>
+          </a:bodyPr>
+          <a:lstStyle/>
+          <a:p>
+            <a:pPr algn="just"/>
+            <a:r>
+              <a:rPr lang="en-US" sz="2000" smtClean="0"/>
+              <a:t> </a:t>
+            </a:r>
+            <a:endParaRPr lang="en-US" sz="2000" dirty="0"/>
+          </a:p>
+        </p:txBody>
+      </p:sp>
+      <p:pic>
+        <p:nvPicPr>
+          <p:cNvPr id="4" name="Picture 3"/>
+          <p:cNvPicPr>
+            <a:picLocks noChangeAspect="1"/>
+          </p:cNvPicPr>
+          <p:nvPr/>
+        </p:nvPicPr>
+        <p:blipFill>
+          <a:blip r:embed="rId2" cstate="print">
+            <a:extLst>
+              <a:ext uri="{28A0092B-C50C-407E-A947-70E740481C1C}">
+                <a14:useLocalDpi xmlns:a14="http://schemas.microsoft.com/office/drawing/2010/main" val="0"/>
+              </a:ext>
+            </a:extLst>
+          </a:blip>
+          <a:stretch>
+            <a:fillRect/>
+          </a:stretch>
+        </p:blipFill>
+        <p:spPr>
+          <a:xfrm>
+            <a:off x="8858793" y="50696"/>
+            <a:ext cx="3226525" cy="573210"/>
+          </a:xfrm>
+          <a:prstGeom prst="rect">
+            <a:avLst/>
+          </a:prstGeom>
+        </p:spPr>
+      </p:pic>
+      <p:cxnSp>
+        <p:nvCxnSpPr>
+          <p:cNvPr id="8" name="Straight Connector 7"/>
+          <p:cNvCxnSpPr/>
+          <p:nvPr/>
+        </p:nvCxnSpPr>
+        <p:spPr>
+          <a:xfrm>
+            <a:off x="0" y="875211"/>
+            <a:ext cx="12192000" cy="0"/>
+          </a:xfrm>
+          <a:prstGeom prst="line">
+            <a:avLst/>
+          </a:prstGeom>
+        </p:spPr>
+        <p:style>
+          <a:lnRef idx="3">
+            <a:schemeClr val="dk1"/>
+          </a:lnRef>
+          <a:fillRef idx="0">
+            <a:schemeClr val="dk1"/>
+          </a:fillRef>
+          <a:effectRef idx="2">
+            <a:schemeClr val="dk1"/>
+          </a:effectRef>
+          <a:fontRef idx="minor">
+            <a:schemeClr val="tx1"/>
+          </a:fontRef>
+        </p:style>
+      </p:cxnSp>
+      <p:pic>
+        <p:nvPicPr>
+          <p:cNvPr id="7" name="Picture 6"/>
+          <p:cNvPicPr>
+            <a:picLocks noChangeAspect="1"/>
+          </p:cNvPicPr>
+          <p:nvPr/>
+        </p:nvPicPr>
+        <p:blipFill>
+          <a:blip r:embed="rId3">
+            <a:extLst>
+              <a:ext uri="{28A0092B-C50C-407E-A947-70E740481C1C}">
+                <a14:useLocalDpi xmlns:a14="http://schemas.microsoft.com/office/drawing/2010/main" val="0"/>
+              </a:ext>
+            </a:extLst>
+          </a:blip>
+          <a:stretch>
+            <a:fillRect/>
+          </a:stretch>
+        </p:blipFill>
+        <p:spPr>
+          <a:xfrm>
+            <a:off x="2299063" y="1697719"/>
+            <a:ext cx="7119257" cy="4639322"/>
+          </a:xfrm>
+          <a:prstGeom prst="rect">
+            <a:avLst/>
+          </a:prstGeom>
+        </p:spPr>
+      </p:pic>
+      <p:sp>
+        <p:nvSpPr>
+          <p:cNvPr id="10" name="Oval 9"/>
+          <p:cNvSpPr/>
+          <p:nvPr/>
+        </p:nvSpPr>
+        <p:spPr>
+          <a:xfrm>
+            <a:off x="2050869" y="5029200"/>
+            <a:ext cx="731520" cy="522514"/>
+          </a:xfrm>
+          <a:prstGeom prst="ellipse">
+            <a:avLst/>
+          </a:prstGeom>
+          <a:noFill/>
+          <a:ln>
+            <a:solidFill>
+              <a:srgbClr val="FF0000"/>
+            </a:solidFill>
+          </a:ln>
+        </p:spPr>
+        <p:style>
+          <a:lnRef idx="2">
+            <a:schemeClr val="accent1">
+              <a:shade val="50000"/>
+            </a:schemeClr>
+          </a:lnRef>
+          <a:fillRef idx="1">
+            <a:schemeClr val="accent1"/>
+          </a:fillRef>
+          <a:effectRef idx="0">
+            <a:schemeClr val="accent1"/>
+          </a:effectRef>
+          <a:fontRef idx="minor">
+            <a:schemeClr val="lt1"/>
+          </a:fontRef>
+        </p:style>
+        <p:txBody>
+          <a:bodyPr rtlCol="0" anchor="ctr"/>
+          <a:lstStyle/>
+          <a:p>
+            <a:pPr algn="ctr"/>
+            <a:endParaRPr lang="en-US"/>
+          </a:p>
+        </p:txBody>
+      </p:sp>
+      <p:cxnSp>
+        <p:nvCxnSpPr>
+          <p:cNvPr id="12" name="Straight Arrow Connector 11"/>
+          <p:cNvCxnSpPr/>
+          <p:nvPr/>
+        </p:nvCxnSpPr>
+        <p:spPr>
+          <a:xfrm>
+            <a:off x="927463" y="4127863"/>
+            <a:ext cx="1123406" cy="992777"/>
+          </a:xfrm>
+          <a:prstGeom prst="straightConnector1">
+            <a:avLst/>
+          </a:prstGeom>
+          <a:ln>
+            <a:solidFill>
+              <a:srgbClr val="FF0000"/>
+            </a:solidFill>
+            <a:tailEnd type="triangle"/>
+          </a:ln>
+        </p:spPr>
+        <p:style>
+          <a:lnRef idx="1">
+            <a:schemeClr val="accent1"/>
+          </a:lnRef>
+          <a:fillRef idx="0">
+            <a:schemeClr val="accent1"/>
+          </a:fillRef>
+          <a:effectRef idx="0">
+            <a:schemeClr val="accent1"/>
+          </a:effectRef>
+          <a:fontRef idx="minor">
+            <a:schemeClr val="tx1"/>
+          </a:fontRef>
+        </p:style>
+      </p:cxnSp>
+    </p:spTree>
+    <p:extLst>
+      <p:ext uri="{BB962C8B-B14F-4D97-AF65-F5344CB8AC3E}">
+        <p14:creationId xmlns:p14="http://schemas.microsoft.com/office/powerpoint/2010/main" val="4201379483"/>
+      </p:ext>
+    </p:extLst>
+  </p:cSld>
+  <p:clrMapOvr>
+    <a:masterClrMapping/>
+  </p:clrMapOvr>
+  <p:timing>
+    <p:tnLst>
+      <p:par>
+        <p:cTn id="1" dur="indefinite" restart="never" nodeType="tmRoot"/>
+      </p:par>
+    </p:tnLst>
+  </p:timing>
+</p:sld>
+</file>
+
+<file path=ppt/slides/slide24.xml><?xml version="1.0" encoding="utf-8"?>
+<p:sld xmlns:a="http://schemas.openxmlformats.org/drawingml/2006/main" xmlns:r="http://schemas.openxmlformats.org/officeDocument/2006/relationships" xmlns:p="http://schemas.openxmlformats.org/presentationml/2006/main">
+  <p:cSld>
+    <p:spTree>
+      <p:nvGrpSpPr>
+        <p:cNvPr id="1" name=""/>
+        <p:cNvGrpSpPr/>
+        <p:nvPr/>
+      </p:nvGrpSpPr>
+      <p:grpSpPr>
+        <a:xfrm>
+          <a:off x="0" y="0"/>
+          <a:ext cx="0" cy="0"/>
+          <a:chOff x="0" y="0"/>
+          <a:chExt cx="0" cy="0"/>
+        </a:xfrm>
+      </p:grpSpPr>
+      <p:sp>
+        <p:nvSpPr>
+          <p:cNvPr id="2" name="Title 1"/>
+          <p:cNvSpPr>
+            <a:spLocks noGrp="1"/>
+          </p:cNvSpPr>
+          <p:nvPr>
+            <p:ph type="ctrTitle"/>
+          </p:nvPr>
+        </p:nvSpPr>
+        <p:spPr>
+          <a:xfrm>
+            <a:off x="748937" y="497944"/>
+            <a:ext cx="10249988" cy="1005840"/>
+          </a:xfrm>
+        </p:spPr>
+        <p:txBody>
+          <a:bodyPr>
+            <a:normAutofit/>
+          </a:bodyPr>
+          <a:lstStyle/>
+          <a:p>
+            <a:pPr algn="l"/>
+            <a:r>
+              <a:rPr lang="en-US" sz="3400" b="1" dirty="0" smtClean="0"/>
+              <a:t>2.2.5 Screenshot of Mail and bank account details</a:t>
+            </a:r>
+            <a:endParaRPr lang="en-US" sz="3400" b="1" dirty="0"/>
+          </a:p>
+        </p:txBody>
+      </p:sp>
+      <p:sp>
+        <p:nvSpPr>
+          <p:cNvPr id="3" name="Subtitle 2"/>
+          <p:cNvSpPr>
+            <a:spLocks noGrp="1"/>
+          </p:cNvSpPr>
+          <p:nvPr>
+            <p:ph type="subTitle" idx="1"/>
+          </p:nvPr>
+        </p:nvSpPr>
+        <p:spPr>
+          <a:xfrm>
+            <a:off x="125186" y="1755089"/>
+            <a:ext cx="11941627" cy="4581952"/>
+          </a:xfrm>
+        </p:spPr>
+        <p:txBody>
+          <a:bodyPr>
+            <a:noAutofit/>
+          </a:bodyPr>
+          <a:lstStyle/>
+          <a:p>
+            <a:pPr algn="just"/>
+            <a:r>
+              <a:rPr lang="en-US" sz="2000" smtClean="0"/>
+              <a:t> </a:t>
+            </a:r>
+            <a:endParaRPr lang="en-US" sz="2000" dirty="0"/>
+          </a:p>
+        </p:txBody>
+      </p:sp>
+      <p:pic>
+        <p:nvPicPr>
+          <p:cNvPr id="4" name="Picture 3"/>
+          <p:cNvPicPr>
+            <a:picLocks noChangeAspect="1"/>
+          </p:cNvPicPr>
+          <p:nvPr/>
+        </p:nvPicPr>
+        <p:blipFill>
+          <a:blip r:embed="rId2" cstate="print">
+            <a:extLst>
+              <a:ext uri="{28A0092B-C50C-407E-A947-70E740481C1C}">
+                <a14:useLocalDpi xmlns:a14="http://schemas.microsoft.com/office/drawing/2010/main" val="0"/>
+              </a:ext>
+            </a:extLst>
+          </a:blip>
+          <a:stretch>
+            <a:fillRect/>
+          </a:stretch>
+        </p:blipFill>
+        <p:spPr>
+          <a:xfrm>
+            <a:off x="8858793" y="50696"/>
+            <a:ext cx="3226525" cy="573210"/>
+          </a:xfrm>
+          <a:prstGeom prst="rect">
+            <a:avLst/>
+          </a:prstGeom>
+        </p:spPr>
+      </p:pic>
+      <p:cxnSp>
+        <p:nvCxnSpPr>
+          <p:cNvPr id="8" name="Straight Connector 7"/>
+          <p:cNvCxnSpPr/>
+          <p:nvPr/>
+        </p:nvCxnSpPr>
+        <p:spPr>
+          <a:xfrm>
+            <a:off x="0" y="875211"/>
+            <a:ext cx="12192000" cy="0"/>
+          </a:xfrm>
+          <a:prstGeom prst="line">
+            <a:avLst/>
+          </a:prstGeom>
+        </p:spPr>
+        <p:style>
+          <a:lnRef idx="3">
+            <a:schemeClr val="dk1"/>
+          </a:lnRef>
+          <a:fillRef idx="0">
+            <a:schemeClr val="dk1"/>
+          </a:fillRef>
+          <a:effectRef idx="2">
+            <a:schemeClr val="dk1"/>
+          </a:effectRef>
+          <a:fontRef idx="minor">
+            <a:schemeClr val="tx1"/>
+          </a:fontRef>
+        </p:style>
+      </p:cxnSp>
+      <p:pic>
+        <p:nvPicPr>
+          <p:cNvPr id="7" name="Picture 6"/>
+          <p:cNvPicPr>
+            <a:picLocks noChangeAspect="1"/>
+          </p:cNvPicPr>
+          <p:nvPr/>
+        </p:nvPicPr>
+        <p:blipFill>
+          <a:blip r:embed="rId3"/>
+          <a:stretch>
+            <a:fillRect/>
+          </a:stretch>
+        </p:blipFill>
+        <p:spPr>
+          <a:xfrm>
+            <a:off x="1229949" y="1555491"/>
+            <a:ext cx="8791575" cy="4781550"/>
+          </a:xfrm>
+          <a:prstGeom prst="rect">
+            <a:avLst/>
+          </a:prstGeom>
+        </p:spPr>
+      </p:pic>
+    </p:spTree>
+    <p:extLst>
+      <p:ext uri="{BB962C8B-B14F-4D97-AF65-F5344CB8AC3E}">
+        <p14:creationId xmlns:p14="http://schemas.microsoft.com/office/powerpoint/2010/main" val="1897252167"/>
+      </p:ext>
+    </p:extLst>
+  </p:cSld>
+  <p:clrMapOvr>
+    <a:masterClrMapping/>
+  </p:clrMapOvr>
   <p:timing>
     <p:tnLst>
       <p:par>
